--- a/assets/img/math/algorithm/iou/iou.pptx
+++ b/assets/img/math/algorithm/iou/iou.pptx
@@ -7,6 +7,7 @@
   <p:sldIdLst>
     <p:sldId id="256" r:id="rId2"/>
     <p:sldId id="257" r:id="rId3"/>
+    <p:sldId id="258" r:id="rId4"/>
   </p:sldIdLst>
   <p:sldSz cx="9906000" cy="6858000" type="A4"/>
   <p:notesSz cx="6858000" cy="9144000"/>
@@ -105,6 +106,11 @@
       </a:defRPr>
     </a:lvl9pPr>
   </p:defaultTextStyle>
+  <p:extLst>
+    <p:ext uri="{EFAFB233-063F-42B5-8137-9DF3F51BA10A}">
+      <p15:sldGuideLst xmlns:p15="http://schemas.microsoft.com/office/powerpoint/2012/main"/>
+    </p:ext>
+  </p:extLst>
 </p:presentation>
 </file>
 
@@ -142,7 +148,7 @@
           <a:p>
             <a:fld id="{5A0BAE39-323B-4A63-B671-007B038DF96F}" type="datetimeFigureOut">
               <a:rPr lang="ko-KR" altLang="en-US" smtClean="0"/>
-              <a:t>2020-03-02</a:t>
+              <a:t>2020-03-03</a:t>
             </a:fld>
             <a:endParaRPr lang="ko-KR" altLang="en-US"/>
           </a:p>
@@ -596,7 +602,7 @@
           <a:p>
             <a:fld id="{5A0BAE39-323B-4A63-B671-007B038DF96F}" type="datetimeFigureOut">
               <a:rPr lang="ko-KR" altLang="en-US" smtClean="0"/>
-              <a:t>2020-03-02</a:t>
+              <a:t>2020-03-03</a:t>
             </a:fld>
             <a:endParaRPr lang="ko-KR" altLang="en-US"/>
           </a:p>
@@ -776,7 +782,7 @@
           <a:p>
             <a:fld id="{5A0BAE39-323B-4A63-B671-007B038DF96F}" type="datetimeFigureOut">
               <a:rPr lang="ko-KR" altLang="en-US" smtClean="0"/>
-              <a:t>2020-03-02</a:t>
+              <a:t>2020-03-03</a:t>
             </a:fld>
             <a:endParaRPr lang="ko-KR" altLang="en-US"/>
           </a:p>
@@ -946,7 +952,7 @@
           <a:p>
             <a:fld id="{5A0BAE39-323B-4A63-B671-007B038DF96F}" type="datetimeFigureOut">
               <a:rPr lang="ko-KR" altLang="en-US" smtClean="0"/>
-              <a:t>2020-03-02</a:t>
+              <a:t>2020-03-03</a:t>
             </a:fld>
             <a:endParaRPr lang="ko-KR" altLang="en-US"/>
           </a:p>
@@ -1190,7 +1196,7 @@
           <a:p>
             <a:fld id="{5A0BAE39-323B-4A63-B671-007B038DF96F}" type="datetimeFigureOut">
               <a:rPr lang="ko-KR" altLang="en-US" smtClean="0"/>
-              <a:t>2020-03-02</a:t>
+              <a:t>2020-03-03</a:t>
             </a:fld>
             <a:endParaRPr lang="ko-KR" altLang="en-US"/>
           </a:p>
@@ -1422,7 +1428,7 @@
           <a:p>
             <a:fld id="{5A0BAE39-323B-4A63-B671-007B038DF96F}" type="datetimeFigureOut">
               <a:rPr lang="ko-KR" altLang="en-US" smtClean="0"/>
-              <a:t>2020-03-02</a:t>
+              <a:t>2020-03-03</a:t>
             </a:fld>
             <a:endParaRPr lang="ko-KR" altLang="en-US"/>
           </a:p>
@@ -1789,7 +1795,7 @@
           <a:p>
             <a:fld id="{5A0BAE39-323B-4A63-B671-007B038DF96F}" type="datetimeFigureOut">
               <a:rPr lang="ko-KR" altLang="en-US" smtClean="0"/>
-              <a:t>2020-03-02</a:t>
+              <a:t>2020-03-03</a:t>
             </a:fld>
             <a:endParaRPr lang="ko-KR" altLang="en-US"/>
           </a:p>
@@ -1907,7 +1913,7 @@
           <a:p>
             <a:fld id="{5A0BAE39-323B-4A63-B671-007B038DF96F}" type="datetimeFigureOut">
               <a:rPr lang="ko-KR" altLang="en-US" smtClean="0"/>
-              <a:t>2020-03-02</a:t>
+              <a:t>2020-03-03</a:t>
             </a:fld>
             <a:endParaRPr lang="ko-KR" altLang="en-US"/>
           </a:p>
@@ -2002,7 +2008,7 @@
           <a:p>
             <a:fld id="{5A0BAE39-323B-4A63-B671-007B038DF96F}" type="datetimeFigureOut">
               <a:rPr lang="ko-KR" altLang="en-US" smtClean="0"/>
-              <a:t>2020-03-02</a:t>
+              <a:t>2020-03-03</a:t>
             </a:fld>
             <a:endParaRPr lang="ko-KR" altLang="en-US"/>
           </a:p>
@@ -2279,7 +2285,7 @@
           <a:p>
             <a:fld id="{5A0BAE39-323B-4A63-B671-007B038DF96F}" type="datetimeFigureOut">
               <a:rPr lang="ko-KR" altLang="en-US" smtClean="0"/>
-              <a:t>2020-03-02</a:t>
+              <a:t>2020-03-03</a:t>
             </a:fld>
             <a:endParaRPr lang="ko-KR" altLang="en-US"/>
           </a:p>
@@ -2536,7 +2542,7 @@
           <a:p>
             <a:fld id="{5A0BAE39-323B-4A63-B671-007B038DF96F}" type="datetimeFigureOut">
               <a:rPr lang="ko-KR" altLang="en-US" smtClean="0"/>
-              <a:t>2020-03-02</a:t>
+              <a:t>2020-03-03</a:t>
             </a:fld>
             <a:endParaRPr lang="ko-KR" altLang="en-US"/>
           </a:p>
@@ -2749,7 +2755,7 @@
           <a:p>
             <a:fld id="{5A0BAE39-323B-4A63-B671-007B038DF96F}" type="datetimeFigureOut">
               <a:rPr lang="ko-KR" altLang="en-US" smtClean="0"/>
-              <a:t>2020-03-02</a:t>
+              <a:t>2020-03-03</a:t>
             </a:fld>
             <a:endParaRPr lang="ko-KR" altLang="en-US"/>
           </a:p>
@@ -4088,8 +4094,8 @@
             </a:fontRef>
           </p:style>
         </p:cxnSp>
-        <mc:AlternateContent xmlns:mc="http://schemas.openxmlformats.org/markup-compatibility/2006">
-          <mc:Choice xmlns:a14="http://schemas.microsoft.com/office/drawing/2010/main" Requires="a14">
+        <mc:AlternateContent xmlns:mc="http://schemas.openxmlformats.org/markup-compatibility/2006" xmlns:a14="http://schemas.microsoft.com/office/drawing/2010/main">
+          <mc:Choice Requires="a14">
             <p:sp>
               <p:nvSpPr>
                 <p:cNvPr id="49" name="TextBox 48">
@@ -4118,6 +4124,7 @@
                 </a:bodyPr>
                 <a:lstStyle/>
                 <a:p>
+                  <a:pPr/>
                   <a14:m>
                     <m:oMathPara xmlns:m="http://schemas.openxmlformats.org/officeDocument/2006/math">
                       <m:oMathParaPr>
@@ -4191,7 +4198,7 @@
               </p:txBody>
             </p:sp>
           </mc:Choice>
-          <mc:Fallback>
+          <mc:Fallback xmlns="">
             <p:sp>
               <p:nvSpPr>
                 <p:cNvPr id="49" name="TextBox 48">
@@ -4236,8 +4243,8 @@
             </p:sp>
           </mc:Fallback>
         </mc:AlternateContent>
-        <mc:AlternateContent xmlns:mc="http://schemas.openxmlformats.org/markup-compatibility/2006">
-          <mc:Choice xmlns:a14="http://schemas.microsoft.com/office/drawing/2010/main" Requires="a14">
+        <mc:AlternateContent xmlns:mc="http://schemas.openxmlformats.org/markup-compatibility/2006" xmlns:a14="http://schemas.microsoft.com/office/drawing/2010/main">
+          <mc:Choice Requires="a14">
             <p:sp>
               <p:nvSpPr>
                 <p:cNvPr id="50" name="TextBox 49">
@@ -4266,6 +4273,7 @@
                 </a:bodyPr>
                 <a:lstStyle/>
                 <a:p>
+                  <a:pPr/>
                   <a14:m>
                     <m:oMathPara xmlns:m="http://schemas.openxmlformats.org/officeDocument/2006/math">
                       <m:oMathParaPr>
@@ -4320,7 +4328,7 @@
               </p:txBody>
             </p:sp>
           </mc:Choice>
-          <mc:Fallback>
+          <mc:Fallback xmlns="">
             <p:sp>
               <p:nvSpPr>
                 <p:cNvPr id="50" name="TextBox 49">
@@ -4365,8 +4373,8 @@
             </p:sp>
           </mc:Fallback>
         </mc:AlternateContent>
-        <mc:AlternateContent xmlns:mc="http://schemas.openxmlformats.org/markup-compatibility/2006">
-          <mc:Choice xmlns:a14="http://schemas.microsoft.com/office/drawing/2010/main" Requires="a14">
+        <mc:AlternateContent xmlns:mc="http://schemas.openxmlformats.org/markup-compatibility/2006" xmlns:a14="http://schemas.microsoft.com/office/drawing/2010/main">
+          <mc:Choice Requires="a14">
             <p:sp>
               <p:nvSpPr>
                 <p:cNvPr id="51" name="TextBox 50">
@@ -4395,6 +4403,7 @@
                 </a:bodyPr>
                 <a:lstStyle/>
                 <a:p>
+                  <a:pPr/>
                   <a14:m>
                     <m:oMathPara xmlns:m="http://schemas.openxmlformats.org/officeDocument/2006/math">
                       <m:oMathParaPr>
@@ -4449,7 +4458,7 @@
               </p:txBody>
             </p:sp>
           </mc:Choice>
-          <mc:Fallback>
+          <mc:Fallback xmlns="">
             <p:sp>
               <p:nvSpPr>
                 <p:cNvPr id="51" name="TextBox 50">
@@ -4494,8 +4503,8 @@
             </p:sp>
           </mc:Fallback>
         </mc:AlternateContent>
-        <mc:AlternateContent xmlns:mc="http://schemas.openxmlformats.org/markup-compatibility/2006">
-          <mc:Choice xmlns:a14="http://schemas.microsoft.com/office/drawing/2010/main" Requires="a14">
+        <mc:AlternateContent xmlns:mc="http://schemas.openxmlformats.org/markup-compatibility/2006" xmlns:a14="http://schemas.microsoft.com/office/drawing/2010/main">
+          <mc:Choice Requires="a14">
             <p:sp>
               <p:nvSpPr>
                 <p:cNvPr id="52" name="TextBox 51">
@@ -4524,6 +4533,7 @@
                 </a:bodyPr>
                 <a:lstStyle/>
                 <a:p>
+                  <a:pPr/>
                   <a14:m>
                     <m:oMathPara xmlns:m="http://schemas.openxmlformats.org/officeDocument/2006/math">
                       <m:oMathParaPr>
@@ -4597,7 +4607,7 @@
               </p:txBody>
             </p:sp>
           </mc:Choice>
-          <mc:Fallback>
+          <mc:Fallback xmlns="">
             <p:sp>
               <p:nvSpPr>
                 <p:cNvPr id="52" name="TextBox 51">
@@ -4726,8 +4736,8 @@
             </a:p>
           </p:txBody>
         </p:sp>
-        <mc:AlternateContent xmlns:mc="http://schemas.openxmlformats.org/markup-compatibility/2006">
-          <mc:Choice xmlns:a14="http://schemas.microsoft.com/office/drawing/2010/main" Requires="a14">
+        <mc:AlternateContent xmlns:mc="http://schemas.openxmlformats.org/markup-compatibility/2006" xmlns:a14="http://schemas.microsoft.com/office/drawing/2010/main">
+          <mc:Choice Requires="a14">
             <p:sp>
               <p:nvSpPr>
                 <p:cNvPr id="55" name="TextBox 54">
@@ -4756,6 +4766,7 @@
                 </a:bodyPr>
                 <a:lstStyle/>
                 <a:p>
+                  <a:pPr/>
                   <a14:m>
                     <m:oMathPara xmlns:m="http://schemas.openxmlformats.org/officeDocument/2006/math">
                       <m:oMathParaPr>
@@ -4788,7 +4799,7 @@
               </p:txBody>
             </p:sp>
           </mc:Choice>
-          <mc:Fallback>
+          <mc:Fallback xmlns="">
             <p:sp>
               <p:nvSpPr>
                 <p:cNvPr id="55" name="TextBox 54">
@@ -5159,8 +5170,8 @@
             </a:fontRef>
           </p:style>
         </p:cxnSp>
-        <mc:AlternateContent xmlns:mc="http://schemas.openxmlformats.org/markup-compatibility/2006">
-          <mc:Choice xmlns:a14="http://schemas.microsoft.com/office/drawing/2010/main" Requires="a14">
+        <mc:AlternateContent xmlns:mc="http://schemas.openxmlformats.org/markup-compatibility/2006" xmlns:a14="http://schemas.microsoft.com/office/drawing/2010/main">
+          <mc:Choice Requires="a14">
             <p:sp>
               <p:nvSpPr>
                 <p:cNvPr id="63" name="TextBox 62">
@@ -5189,6 +5200,7 @@
                 </a:bodyPr>
                 <a:lstStyle/>
                 <a:p>
+                  <a:pPr/>
                   <a14:m>
                     <m:oMathPara xmlns:m="http://schemas.openxmlformats.org/officeDocument/2006/math">
                       <m:oMathParaPr>
@@ -5262,7 +5274,7 @@
               </p:txBody>
             </p:sp>
           </mc:Choice>
-          <mc:Fallback>
+          <mc:Fallback xmlns="">
             <p:sp>
               <p:nvSpPr>
                 <p:cNvPr id="63" name="TextBox 62">
@@ -5307,8 +5319,8 @@
             </p:sp>
           </mc:Fallback>
         </mc:AlternateContent>
-        <mc:AlternateContent xmlns:mc="http://schemas.openxmlformats.org/markup-compatibility/2006">
-          <mc:Choice xmlns:a14="http://schemas.microsoft.com/office/drawing/2010/main" Requires="a14">
+        <mc:AlternateContent xmlns:mc="http://schemas.openxmlformats.org/markup-compatibility/2006" xmlns:a14="http://schemas.microsoft.com/office/drawing/2010/main">
+          <mc:Choice Requires="a14">
             <p:sp>
               <p:nvSpPr>
                 <p:cNvPr id="64" name="TextBox 63">
@@ -5337,6 +5349,7 @@
                 </a:bodyPr>
                 <a:lstStyle/>
                 <a:p>
+                  <a:pPr/>
                   <a14:m>
                     <m:oMathPara xmlns:m="http://schemas.openxmlformats.org/officeDocument/2006/math">
                       <m:oMathParaPr>
@@ -5391,7 +5404,7 @@
               </p:txBody>
             </p:sp>
           </mc:Choice>
-          <mc:Fallback>
+          <mc:Fallback xmlns="">
             <p:sp>
               <p:nvSpPr>
                 <p:cNvPr id="64" name="TextBox 63">
@@ -5436,8 +5449,8 @@
             </p:sp>
           </mc:Fallback>
         </mc:AlternateContent>
-        <mc:AlternateContent xmlns:mc="http://schemas.openxmlformats.org/markup-compatibility/2006">
-          <mc:Choice xmlns:a14="http://schemas.microsoft.com/office/drawing/2010/main" Requires="a14">
+        <mc:AlternateContent xmlns:mc="http://schemas.openxmlformats.org/markup-compatibility/2006" xmlns:a14="http://schemas.microsoft.com/office/drawing/2010/main">
+          <mc:Choice Requires="a14">
             <p:sp>
               <p:nvSpPr>
                 <p:cNvPr id="65" name="TextBox 64">
@@ -5466,6 +5479,7 @@
                 </a:bodyPr>
                 <a:lstStyle/>
                 <a:p>
+                  <a:pPr/>
                   <a14:m>
                     <m:oMathPara xmlns:m="http://schemas.openxmlformats.org/officeDocument/2006/math">
                       <m:oMathParaPr>
@@ -5520,7 +5534,7 @@
               </p:txBody>
             </p:sp>
           </mc:Choice>
-          <mc:Fallback>
+          <mc:Fallback xmlns="">
             <p:sp>
               <p:nvSpPr>
                 <p:cNvPr id="65" name="TextBox 64">
@@ -5565,8 +5579,8 @@
             </p:sp>
           </mc:Fallback>
         </mc:AlternateContent>
-        <mc:AlternateContent xmlns:mc="http://schemas.openxmlformats.org/markup-compatibility/2006">
-          <mc:Choice xmlns:a14="http://schemas.microsoft.com/office/drawing/2010/main" Requires="a14">
+        <mc:AlternateContent xmlns:mc="http://schemas.openxmlformats.org/markup-compatibility/2006" xmlns:a14="http://schemas.microsoft.com/office/drawing/2010/main">
+          <mc:Choice Requires="a14">
             <p:sp>
               <p:nvSpPr>
                 <p:cNvPr id="66" name="TextBox 65">
@@ -5595,6 +5609,7 @@
                 </a:bodyPr>
                 <a:lstStyle/>
                 <a:p>
+                  <a:pPr/>
                   <a14:m>
                     <m:oMathPara xmlns:m="http://schemas.openxmlformats.org/officeDocument/2006/math">
                       <m:oMathParaPr>
@@ -5668,7 +5683,7 @@
               </p:txBody>
             </p:sp>
           </mc:Choice>
-          <mc:Fallback>
+          <mc:Fallback xmlns="">
             <p:sp>
               <p:nvSpPr>
                 <p:cNvPr id="66" name="TextBox 65">
@@ -5755,8 +5770,8 @@
             </a:p>
           </p:txBody>
         </p:sp>
-        <mc:AlternateContent xmlns:mc="http://schemas.openxmlformats.org/markup-compatibility/2006">
-          <mc:Choice xmlns:a14="http://schemas.microsoft.com/office/drawing/2010/main" Requires="a14">
+        <mc:AlternateContent xmlns:mc="http://schemas.openxmlformats.org/markup-compatibility/2006" xmlns:a14="http://schemas.microsoft.com/office/drawing/2010/main">
+          <mc:Choice Requires="a14">
             <p:sp>
               <p:nvSpPr>
                 <p:cNvPr id="69" name="TextBox 68">
@@ -5810,7 +5825,7 @@
               </p:txBody>
             </p:sp>
           </mc:Choice>
-          <mc:Fallback>
+          <mc:Fallback xmlns="">
             <p:sp>
               <p:nvSpPr>
                 <p:cNvPr id="69" name="TextBox 68">
@@ -6232,8 +6247,8 @@
             </a:fontRef>
           </p:style>
         </p:cxnSp>
-        <mc:AlternateContent xmlns:mc="http://schemas.openxmlformats.org/markup-compatibility/2006">
-          <mc:Choice xmlns:a14="http://schemas.microsoft.com/office/drawing/2010/main" Requires="a14">
+        <mc:AlternateContent xmlns:mc="http://schemas.openxmlformats.org/markup-compatibility/2006" xmlns:a14="http://schemas.microsoft.com/office/drawing/2010/main">
+          <mc:Choice Requires="a14">
             <p:sp>
               <p:nvSpPr>
                 <p:cNvPr id="15" name="TextBox 14">
@@ -6262,6 +6277,7 @@
                 </a:bodyPr>
                 <a:lstStyle/>
                 <a:p>
+                  <a:pPr/>
                   <a14:m>
                     <m:oMathPara xmlns:m="http://schemas.openxmlformats.org/officeDocument/2006/math">
                       <m:oMathParaPr>
@@ -6335,7 +6351,7 @@
               </p:txBody>
             </p:sp>
           </mc:Choice>
-          <mc:Fallback>
+          <mc:Fallback xmlns="">
             <p:sp>
               <p:nvSpPr>
                 <p:cNvPr id="15" name="TextBox 14">
@@ -6380,8 +6396,8 @@
             </p:sp>
           </mc:Fallback>
         </mc:AlternateContent>
-        <mc:AlternateContent xmlns:mc="http://schemas.openxmlformats.org/markup-compatibility/2006">
-          <mc:Choice xmlns:a14="http://schemas.microsoft.com/office/drawing/2010/main" Requires="a14">
+        <mc:AlternateContent xmlns:mc="http://schemas.openxmlformats.org/markup-compatibility/2006" xmlns:a14="http://schemas.microsoft.com/office/drawing/2010/main">
+          <mc:Choice Requires="a14">
             <p:sp>
               <p:nvSpPr>
                 <p:cNvPr id="16" name="TextBox 15">
@@ -6410,6 +6426,7 @@
                 </a:bodyPr>
                 <a:lstStyle/>
                 <a:p>
+                  <a:pPr/>
                   <a14:m>
                     <m:oMathPara xmlns:m="http://schemas.openxmlformats.org/officeDocument/2006/math">
                       <m:oMathParaPr>
@@ -6464,7 +6481,7 @@
               </p:txBody>
             </p:sp>
           </mc:Choice>
-          <mc:Fallback>
+          <mc:Fallback xmlns="">
             <p:sp>
               <p:nvSpPr>
                 <p:cNvPr id="16" name="TextBox 15">
@@ -6509,8 +6526,8 @@
             </p:sp>
           </mc:Fallback>
         </mc:AlternateContent>
-        <mc:AlternateContent xmlns:mc="http://schemas.openxmlformats.org/markup-compatibility/2006">
-          <mc:Choice xmlns:a14="http://schemas.microsoft.com/office/drawing/2010/main" Requires="a14">
+        <mc:AlternateContent xmlns:mc="http://schemas.openxmlformats.org/markup-compatibility/2006" xmlns:a14="http://schemas.microsoft.com/office/drawing/2010/main">
+          <mc:Choice Requires="a14">
             <p:sp>
               <p:nvSpPr>
                 <p:cNvPr id="17" name="TextBox 16">
@@ -6539,6 +6556,7 @@
                 </a:bodyPr>
                 <a:lstStyle/>
                 <a:p>
+                  <a:pPr/>
                   <a14:m>
                     <m:oMathPara xmlns:m="http://schemas.openxmlformats.org/officeDocument/2006/math">
                       <m:oMathParaPr>
@@ -6593,7 +6611,7 @@
               </p:txBody>
             </p:sp>
           </mc:Choice>
-          <mc:Fallback>
+          <mc:Fallback xmlns="">
             <p:sp>
               <p:nvSpPr>
                 <p:cNvPr id="17" name="TextBox 16">
@@ -6638,8 +6656,8 @@
             </p:sp>
           </mc:Fallback>
         </mc:AlternateContent>
-        <mc:AlternateContent xmlns:mc="http://schemas.openxmlformats.org/markup-compatibility/2006">
-          <mc:Choice xmlns:a14="http://schemas.microsoft.com/office/drawing/2010/main" Requires="a14">
+        <mc:AlternateContent xmlns:mc="http://schemas.openxmlformats.org/markup-compatibility/2006" xmlns:a14="http://schemas.microsoft.com/office/drawing/2010/main">
+          <mc:Choice Requires="a14">
             <p:sp>
               <p:nvSpPr>
                 <p:cNvPr id="18" name="TextBox 17">
@@ -6668,6 +6686,7 @@
                 </a:bodyPr>
                 <a:lstStyle/>
                 <a:p>
+                  <a:pPr/>
                   <a14:m>
                     <m:oMathPara xmlns:m="http://schemas.openxmlformats.org/officeDocument/2006/math">
                       <m:oMathParaPr>
@@ -6741,7 +6760,7 @@
               </p:txBody>
             </p:sp>
           </mc:Choice>
-          <mc:Fallback>
+          <mc:Fallback xmlns="">
             <p:sp>
               <p:nvSpPr>
                 <p:cNvPr id="18" name="TextBox 17">
@@ -6786,8 +6805,8 @@
             </p:sp>
           </mc:Fallback>
         </mc:AlternateContent>
-        <mc:AlternateContent xmlns:mc="http://schemas.openxmlformats.org/markup-compatibility/2006">
-          <mc:Choice xmlns:a14="http://schemas.microsoft.com/office/drawing/2010/main" Requires="a14">
+        <mc:AlternateContent xmlns:mc="http://schemas.openxmlformats.org/markup-compatibility/2006" xmlns:a14="http://schemas.microsoft.com/office/drawing/2010/main">
+          <mc:Choice Requires="a14">
             <p:sp>
               <p:nvSpPr>
                 <p:cNvPr id="21" name="TextBox 20">
@@ -6851,7 +6870,7 @@
               </p:txBody>
             </p:sp>
           </mc:Choice>
-          <mc:Fallback>
+          <mc:Fallback xmlns="">
             <p:sp>
               <p:nvSpPr>
                 <p:cNvPr id="21" name="TextBox 20">
@@ -7249,6 +7268,568 @@
 </p:sld>
 </file>
 
+<file path=ppt/slides/slide3.xml><?xml version="1.0" encoding="utf-8"?>
+<p:sld xmlns:a="http://schemas.openxmlformats.org/drawingml/2006/main" xmlns:r="http://schemas.openxmlformats.org/officeDocument/2006/relationships" xmlns:p="http://schemas.openxmlformats.org/presentationml/2006/main">
+  <p:cSld>
+    <p:spTree>
+      <p:nvGrpSpPr>
+        <p:cNvPr id="1" name=""/>
+        <p:cNvGrpSpPr/>
+        <p:nvPr/>
+      </p:nvGrpSpPr>
+      <p:grpSpPr>
+        <a:xfrm>
+          <a:off x="0" y="0"/>
+          <a:ext cx="0" cy="0"/>
+          <a:chOff x="0" y="0"/>
+          <a:chExt cx="0" cy="0"/>
+        </a:xfrm>
+      </p:grpSpPr>
+      <p:sp>
+        <p:nvSpPr>
+          <p:cNvPr id="4" name="오각형 3">
+            <a:extLst>
+              <a:ext uri="{FF2B5EF4-FFF2-40B4-BE49-F238E27FC236}">
+                <a16:creationId xmlns:a16="http://schemas.microsoft.com/office/drawing/2014/main" id="{5F1F3C01-5EF6-4801-B41D-096FAAD8C664}"/>
+              </a:ext>
+            </a:extLst>
+          </p:cNvPr>
+          <p:cNvSpPr/>
+          <p:nvPr/>
+        </p:nvSpPr>
+        <p:spPr>
+          <a:xfrm rot="883337">
+            <a:off x="2087913" y="1136142"/>
+            <a:ext cx="2593777" cy="2470263"/>
+          </a:xfrm>
+          <a:prstGeom prst="pentagon">
+            <a:avLst/>
+          </a:prstGeom>
+          <a:solidFill>
+            <a:schemeClr val="accent3">
+              <a:alpha val="50000"/>
+            </a:schemeClr>
+          </a:solidFill>
+          <a:ln>
+            <a:noFill/>
+          </a:ln>
+        </p:spPr>
+        <p:style>
+          <a:lnRef idx="0">
+            <a:scrgbClr r="0" g="0" b="0"/>
+          </a:lnRef>
+          <a:fillRef idx="0">
+            <a:scrgbClr r="0" g="0" b="0"/>
+          </a:fillRef>
+          <a:effectRef idx="0">
+            <a:scrgbClr r="0" g="0" b="0"/>
+          </a:effectRef>
+          <a:fontRef idx="minor">
+            <a:schemeClr val="lt1"/>
+          </a:fontRef>
+        </p:style>
+        <p:txBody>
+          <a:bodyPr rtlCol="0" anchor="ctr"/>
+          <a:lstStyle/>
+          <a:p>
+            <a:pPr algn="ctr"/>
+            <a:endParaRPr lang="ko-KR" altLang="en-US"/>
+          </a:p>
+        </p:txBody>
+      </p:sp>
+      <p:sp>
+        <p:nvSpPr>
+          <p:cNvPr id="5" name="팔각형 4">
+            <a:extLst>
+              <a:ext uri="{FF2B5EF4-FFF2-40B4-BE49-F238E27FC236}">
+                <a16:creationId xmlns:a16="http://schemas.microsoft.com/office/drawing/2014/main" id="{25FC84FB-BA7E-4FD7-BFA3-42464DAD8411}"/>
+              </a:ext>
+            </a:extLst>
+          </p:cNvPr>
+          <p:cNvSpPr/>
+          <p:nvPr/>
+        </p:nvSpPr>
+        <p:spPr>
+          <a:xfrm>
+            <a:off x="3504783" y="1251002"/>
+            <a:ext cx="2662935" cy="2461705"/>
+          </a:xfrm>
+          <a:prstGeom prst="octagon">
+            <a:avLst/>
+          </a:prstGeom>
+          <a:solidFill>
+            <a:schemeClr val="accent3">
+              <a:alpha val="50000"/>
+            </a:schemeClr>
+          </a:solidFill>
+          <a:ln>
+            <a:noFill/>
+          </a:ln>
+        </p:spPr>
+        <p:style>
+          <a:lnRef idx="0">
+            <a:scrgbClr r="0" g="0" b="0"/>
+          </a:lnRef>
+          <a:fillRef idx="0">
+            <a:scrgbClr r="0" g="0" b="0"/>
+          </a:fillRef>
+          <a:effectRef idx="0">
+            <a:scrgbClr r="0" g="0" b="0"/>
+          </a:effectRef>
+          <a:fontRef idx="minor">
+            <a:schemeClr val="lt1"/>
+          </a:fontRef>
+        </p:style>
+        <p:txBody>
+          <a:bodyPr rtlCol="0" anchor="ctr"/>
+          <a:lstStyle/>
+          <a:p>
+            <a:pPr algn="ctr"/>
+            <a:endParaRPr lang="ko-KR" altLang="en-US"/>
+          </a:p>
+        </p:txBody>
+      </p:sp>
+      <p:sp>
+        <p:nvSpPr>
+          <p:cNvPr id="6" name="타원 5">
+            <a:extLst>
+              <a:ext uri="{FF2B5EF4-FFF2-40B4-BE49-F238E27FC236}">
+                <a16:creationId xmlns:a16="http://schemas.microsoft.com/office/drawing/2014/main" id="{0058F8F7-6008-455F-A4B2-88A70E33C390}"/>
+              </a:ext>
+            </a:extLst>
+          </p:cNvPr>
+          <p:cNvSpPr/>
+          <p:nvPr/>
+        </p:nvSpPr>
+        <p:spPr>
+          <a:xfrm>
+            <a:off x="3900484" y="1479177"/>
+            <a:ext cx="134471" cy="134471"/>
+          </a:xfrm>
+          <a:prstGeom prst="ellipse">
+            <a:avLst/>
+          </a:prstGeom>
+        </p:spPr>
+        <p:style>
+          <a:lnRef idx="2">
+            <a:schemeClr val="dk1">
+              <a:shade val="50000"/>
+            </a:schemeClr>
+          </a:lnRef>
+          <a:fillRef idx="1">
+            <a:schemeClr val="dk1"/>
+          </a:fillRef>
+          <a:effectRef idx="0">
+            <a:schemeClr val="dk1"/>
+          </a:effectRef>
+          <a:fontRef idx="minor">
+            <a:schemeClr val="lt1"/>
+          </a:fontRef>
+        </p:style>
+        <p:txBody>
+          <a:bodyPr rtlCol="0" anchor="ctr"/>
+          <a:lstStyle/>
+          <a:p>
+            <a:pPr algn="ctr"/>
+            <a:endParaRPr lang="ko-KR" altLang="en-US"/>
+          </a:p>
+        </p:txBody>
+      </p:sp>
+      <p:sp>
+        <p:nvSpPr>
+          <p:cNvPr id="7" name="타원 6">
+            <a:extLst>
+              <a:ext uri="{FF2B5EF4-FFF2-40B4-BE49-F238E27FC236}">
+                <a16:creationId xmlns:a16="http://schemas.microsoft.com/office/drawing/2014/main" id="{058B4528-BD83-4074-8005-F1195CD7DB37}"/>
+              </a:ext>
+            </a:extLst>
+          </p:cNvPr>
+          <p:cNvSpPr/>
+          <p:nvPr/>
+        </p:nvSpPr>
+        <p:spPr>
+          <a:xfrm>
+            <a:off x="3957083" y="3410712"/>
+            <a:ext cx="134471" cy="134471"/>
+          </a:xfrm>
+          <a:prstGeom prst="ellipse">
+            <a:avLst/>
+          </a:prstGeom>
+        </p:spPr>
+        <p:style>
+          <a:lnRef idx="2">
+            <a:schemeClr val="dk1">
+              <a:shade val="50000"/>
+            </a:schemeClr>
+          </a:lnRef>
+          <a:fillRef idx="1">
+            <a:schemeClr val="dk1"/>
+          </a:fillRef>
+          <a:effectRef idx="0">
+            <a:schemeClr val="dk1"/>
+          </a:effectRef>
+          <a:fontRef idx="minor">
+            <a:schemeClr val="lt1"/>
+          </a:fontRef>
+        </p:style>
+        <p:txBody>
+          <a:bodyPr rtlCol="0" anchor="ctr"/>
+          <a:lstStyle/>
+          <a:p>
+            <a:pPr algn="ctr"/>
+            <a:endParaRPr lang="ko-KR" altLang="en-US"/>
+          </a:p>
+        </p:txBody>
+      </p:sp>
+      <p:sp>
+        <p:nvSpPr>
+          <p:cNvPr id="8" name="타원 7">
+            <a:extLst>
+              <a:ext uri="{FF2B5EF4-FFF2-40B4-BE49-F238E27FC236}">
+                <a16:creationId xmlns:a16="http://schemas.microsoft.com/office/drawing/2014/main" id="{10415872-BF1A-4B8B-81F3-4960350BAB19}"/>
+              </a:ext>
+            </a:extLst>
+          </p:cNvPr>
+          <p:cNvSpPr/>
+          <p:nvPr/>
+        </p:nvSpPr>
+        <p:spPr>
+          <a:xfrm>
+            <a:off x="3437547" y="1913965"/>
+            <a:ext cx="134471" cy="134471"/>
+          </a:xfrm>
+          <a:prstGeom prst="ellipse">
+            <a:avLst/>
+          </a:prstGeom>
+          <a:solidFill>
+            <a:srgbClr val="FF0000"/>
+          </a:solidFill>
+          <a:ln>
+            <a:noFill/>
+          </a:ln>
+        </p:spPr>
+        <p:style>
+          <a:lnRef idx="2">
+            <a:schemeClr val="dk1">
+              <a:shade val="50000"/>
+            </a:schemeClr>
+          </a:lnRef>
+          <a:fillRef idx="1">
+            <a:schemeClr val="dk1"/>
+          </a:fillRef>
+          <a:effectRef idx="0">
+            <a:schemeClr val="dk1"/>
+          </a:effectRef>
+          <a:fontRef idx="minor">
+            <a:schemeClr val="lt1"/>
+          </a:fontRef>
+        </p:style>
+        <p:txBody>
+          <a:bodyPr rtlCol="0" anchor="ctr"/>
+          <a:lstStyle/>
+          <a:p>
+            <a:pPr algn="ctr"/>
+            <a:endParaRPr lang="ko-KR" altLang="en-US"/>
+          </a:p>
+        </p:txBody>
+      </p:sp>
+      <p:sp>
+        <p:nvSpPr>
+          <p:cNvPr id="9" name="타원 8">
+            <a:extLst>
+              <a:ext uri="{FF2B5EF4-FFF2-40B4-BE49-F238E27FC236}">
+                <a16:creationId xmlns:a16="http://schemas.microsoft.com/office/drawing/2014/main" id="{7D299728-0639-4E30-A765-1CD30CF63DD9}"/>
+              </a:ext>
+            </a:extLst>
+          </p:cNvPr>
+          <p:cNvSpPr/>
+          <p:nvPr/>
+        </p:nvSpPr>
+        <p:spPr>
+          <a:xfrm>
+            <a:off x="3424846" y="2900965"/>
+            <a:ext cx="134471" cy="134471"/>
+          </a:xfrm>
+          <a:prstGeom prst="ellipse">
+            <a:avLst/>
+          </a:prstGeom>
+          <a:solidFill>
+            <a:srgbClr val="FF0000"/>
+          </a:solidFill>
+          <a:ln>
+            <a:noFill/>
+          </a:ln>
+        </p:spPr>
+        <p:style>
+          <a:lnRef idx="2">
+            <a:schemeClr val="dk1">
+              <a:shade val="50000"/>
+            </a:schemeClr>
+          </a:lnRef>
+          <a:fillRef idx="1">
+            <a:schemeClr val="dk1"/>
+          </a:fillRef>
+          <a:effectRef idx="0">
+            <a:schemeClr val="dk1"/>
+          </a:effectRef>
+          <a:fontRef idx="minor">
+            <a:schemeClr val="lt1"/>
+          </a:fontRef>
+        </p:style>
+        <p:txBody>
+          <a:bodyPr rtlCol="0" anchor="ctr"/>
+          <a:lstStyle/>
+          <a:p>
+            <a:pPr algn="ctr"/>
+            <a:endParaRPr lang="ko-KR" altLang="en-US"/>
+          </a:p>
+        </p:txBody>
+      </p:sp>
+      <p:sp>
+        <p:nvSpPr>
+          <p:cNvPr id="11" name="타원 10">
+            <a:extLst>
+              <a:ext uri="{FF2B5EF4-FFF2-40B4-BE49-F238E27FC236}">
+                <a16:creationId xmlns:a16="http://schemas.microsoft.com/office/drawing/2014/main" id="{4A4CC324-D71A-427B-BAD1-22DFCBF5C45B}"/>
+              </a:ext>
+            </a:extLst>
+          </p:cNvPr>
+          <p:cNvSpPr/>
+          <p:nvPr/>
+        </p:nvSpPr>
+        <p:spPr>
+          <a:xfrm>
+            <a:off x="4625758" y="2370613"/>
+            <a:ext cx="134471" cy="134471"/>
+          </a:xfrm>
+          <a:prstGeom prst="ellipse">
+            <a:avLst/>
+          </a:prstGeom>
+          <a:solidFill>
+            <a:srgbClr val="FF0000"/>
+          </a:solidFill>
+          <a:ln>
+            <a:noFill/>
+          </a:ln>
+        </p:spPr>
+        <p:style>
+          <a:lnRef idx="2">
+            <a:schemeClr val="dk1">
+              <a:shade val="50000"/>
+            </a:schemeClr>
+          </a:lnRef>
+          <a:fillRef idx="1">
+            <a:schemeClr val="dk1"/>
+          </a:fillRef>
+          <a:effectRef idx="0">
+            <a:schemeClr val="dk1"/>
+          </a:effectRef>
+          <a:fontRef idx="minor">
+            <a:schemeClr val="lt1"/>
+          </a:fontRef>
+        </p:style>
+        <p:txBody>
+          <a:bodyPr rtlCol="0" anchor="ctr"/>
+          <a:lstStyle/>
+          <a:p>
+            <a:pPr algn="ctr"/>
+            <a:endParaRPr lang="ko-KR" altLang="en-US"/>
+          </a:p>
+        </p:txBody>
+      </p:sp>
+      <p:sp>
+        <p:nvSpPr>
+          <p:cNvPr id="12" name="TextBox 11">
+            <a:extLst>
+              <a:ext uri="{FF2B5EF4-FFF2-40B4-BE49-F238E27FC236}">
+                <a16:creationId xmlns:a16="http://schemas.microsoft.com/office/drawing/2014/main" id="{0DC75DAC-8675-4454-A540-DB33BF0A8BC2}"/>
+              </a:ext>
+            </a:extLst>
+          </p:cNvPr>
+          <p:cNvSpPr txBox="1"/>
+          <p:nvPr/>
+        </p:nvSpPr>
+        <p:spPr>
+          <a:xfrm>
+            <a:off x="3806240" y="1092565"/>
+            <a:ext cx="301686" cy="369332"/>
+          </a:xfrm>
+          <a:prstGeom prst="rect">
+            <a:avLst/>
+          </a:prstGeom>
+          <a:noFill/>
+        </p:spPr>
+        <p:txBody>
+          <a:bodyPr wrap="none" rtlCol="0">
+            <a:spAutoFit/>
+          </a:bodyPr>
+          <a:lstStyle/>
+          <a:p>
+            <a:r>
+              <a:rPr lang="en-US" altLang="ko-KR" dirty="0"/>
+              <a:t>1</a:t>
+            </a:r>
+            <a:endParaRPr lang="ko-KR" altLang="en-US" dirty="0"/>
+          </a:p>
+        </p:txBody>
+      </p:sp>
+      <p:sp>
+        <p:nvSpPr>
+          <p:cNvPr id="13" name="TextBox 12">
+            <a:extLst>
+              <a:ext uri="{FF2B5EF4-FFF2-40B4-BE49-F238E27FC236}">
+                <a16:creationId xmlns:a16="http://schemas.microsoft.com/office/drawing/2014/main" id="{CA371102-A1B5-4EC2-B31F-A7968FD0A450}"/>
+              </a:ext>
+            </a:extLst>
+          </p:cNvPr>
+          <p:cNvSpPr txBox="1"/>
+          <p:nvPr/>
+        </p:nvSpPr>
+        <p:spPr>
+          <a:xfrm>
+            <a:off x="3873475" y="3562463"/>
+            <a:ext cx="301686" cy="369332"/>
+          </a:xfrm>
+          <a:prstGeom prst="rect">
+            <a:avLst/>
+          </a:prstGeom>
+          <a:noFill/>
+        </p:spPr>
+        <p:txBody>
+          <a:bodyPr wrap="none" rtlCol="0">
+            <a:spAutoFit/>
+          </a:bodyPr>
+          <a:lstStyle/>
+          <a:p>
+            <a:r>
+              <a:rPr lang="en-US" altLang="ko-KR" dirty="0"/>
+              <a:t>2</a:t>
+            </a:r>
+            <a:endParaRPr lang="ko-KR" altLang="en-US" dirty="0"/>
+          </a:p>
+        </p:txBody>
+      </p:sp>
+      <p:sp>
+        <p:nvSpPr>
+          <p:cNvPr id="14" name="TextBox 13">
+            <a:extLst>
+              <a:ext uri="{FF2B5EF4-FFF2-40B4-BE49-F238E27FC236}">
+                <a16:creationId xmlns:a16="http://schemas.microsoft.com/office/drawing/2014/main" id="{EA94205F-52A2-429F-B32B-840BE2E9102C}"/>
+              </a:ext>
+            </a:extLst>
+          </p:cNvPr>
+          <p:cNvSpPr txBox="1"/>
+          <p:nvPr/>
+        </p:nvSpPr>
+        <p:spPr>
+          <a:xfrm>
+            <a:off x="3095893" y="1796534"/>
+            <a:ext cx="301686" cy="369332"/>
+          </a:xfrm>
+          <a:prstGeom prst="rect">
+            <a:avLst/>
+          </a:prstGeom>
+          <a:noFill/>
+        </p:spPr>
+        <p:txBody>
+          <a:bodyPr wrap="none" rtlCol="0">
+            <a:spAutoFit/>
+          </a:bodyPr>
+          <a:lstStyle/>
+          <a:p>
+            <a:r>
+              <a:rPr lang="en-US" altLang="ko-KR" dirty="0"/>
+              <a:t>3</a:t>
+            </a:r>
+            <a:endParaRPr lang="ko-KR" altLang="en-US" dirty="0"/>
+          </a:p>
+        </p:txBody>
+      </p:sp>
+      <p:sp>
+        <p:nvSpPr>
+          <p:cNvPr id="15" name="TextBox 14">
+            <a:extLst>
+              <a:ext uri="{FF2B5EF4-FFF2-40B4-BE49-F238E27FC236}">
+                <a16:creationId xmlns:a16="http://schemas.microsoft.com/office/drawing/2014/main" id="{51ECD7CF-B49D-40AC-AE74-748DD8F96749}"/>
+              </a:ext>
+            </a:extLst>
+          </p:cNvPr>
+          <p:cNvSpPr txBox="1"/>
+          <p:nvPr/>
+        </p:nvSpPr>
+        <p:spPr>
+          <a:xfrm>
+            <a:off x="3095893" y="2783534"/>
+            <a:ext cx="301686" cy="369332"/>
+          </a:xfrm>
+          <a:prstGeom prst="rect">
+            <a:avLst/>
+          </a:prstGeom>
+          <a:noFill/>
+        </p:spPr>
+        <p:txBody>
+          <a:bodyPr wrap="none" rtlCol="0">
+            <a:spAutoFit/>
+          </a:bodyPr>
+          <a:lstStyle/>
+          <a:p>
+            <a:r>
+              <a:rPr lang="en-US" altLang="ko-KR" dirty="0"/>
+              <a:t>4</a:t>
+            </a:r>
+            <a:endParaRPr lang="ko-KR" altLang="en-US" dirty="0"/>
+          </a:p>
+        </p:txBody>
+      </p:sp>
+      <p:sp>
+        <p:nvSpPr>
+          <p:cNvPr id="16" name="TextBox 15">
+            <a:extLst>
+              <a:ext uri="{FF2B5EF4-FFF2-40B4-BE49-F238E27FC236}">
+                <a16:creationId xmlns:a16="http://schemas.microsoft.com/office/drawing/2014/main" id="{63D781B6-3B0C-4012-BB64-01D997FB5732}"/>
+              </a:ext>
+            </a:extLst>
+          </p:cNvPr>
+          <p:cNvSpPr txBox="1"/>
+          <p:nvPr/>
+        </p:nvSpPr>
+        <p:spPr>
+          <a:xfrm>
+            <a:off x="4761517" y="2253182"/>
+            <a:ext cx="301686" cy="369332"/>
+          </a:xfrm>
+          <a:prstGeom prst="rect">
+            <a:avLst/>
+          </a:prstGeom>
+          <a:noFill/>
+        </p:spPr>
+        <p:txBody>
+          <a:bodyPr wrap="none" rtlCol="0">
+            <a:spAutoFit/>
+          </a:bodyPr>
+          <a:lstStyle/>
+          <a:p>
+            <a:r>
+              <a:rPr lang="en-US" altLang="ko-KR" dirty="0"/>
+              <a:t>5</a:t>
+            </a:r>
+            <a:endParaRPr lang="ko-KR" altLang="en-US" dirty="0"/>
+          </a:p>
+        </p:txBody>
+      </p:sp>
+    </p:spTree>
+    <p:extLst>
+      <p:ext uri="{BB962C8B-B14F-4D97-AF65-F5344CB8AC3E}">
+        <p14:creationId xmlns:p14="http://schemas.microsoft.com/office/powerpoint/2010/main" val="2841435508"/>
+      </p:ext>
+    </p:extLst>
+  </p:cSld>
+  <p:clrMapOvr>
+    <a:masterClrMapping/>
+  </p:clrMapOvr>
+</p:sld>
+</file>
+
 <file path=ppt/theme/theme1.xml><?xml version="1.0" encoding="utf-8"?>
 <a:theme xmlns:a="http://schemas.openxmlformats.org/drawingml/2006/main" name="Default Theme">
   <a:themeElements>

--- a/assets/img/math/algorithm/iou/iou.pptx
+++ b/assets/img/math/algorithm/iou/iou.pptx
@@ -8,6 +8,9 @@
     <p:sldId id="256" r:id="rId2"/>
     <p:sldId id="257" r:id="rId3"/>
     <p:sldId id="258" r:id="rId4"/>
+    <p:sldId id="259" r:id="rId5"/>
+    <p:sldId id="260" r:id="rId6"/>
+    <p:sldId id="261" r:id="rId7"/>
   </p:sldIdLst>
   <p:sldSz cx="9906000" cy="6858000" type="A4"/>
   <p:notesSz cx="6858000" cy="9144000"/>
@@ -148,7 +151,7 @@
           <a:p>
             <a:fld id="{5A0BAE39-323B-4A63-B671-007B038DF96F}" type="datetimeFigureOut">
               <a:rPr lang="ko-KR" altLang="en-US" smtClean="0"/>
-              <a:t>2020-03-03</a:t>
+              <a:t>2020-03-07</a:t>
             </a:fld>
             <a:endParaRPr lang="ko-KR" altLang="en-US"/>
           </a:p>
@@ -602,7 +605,7 @@
           <a:p>
             <a:fld id="{5A0BAE39-323B-4A63-B671-007B038DF96F}" type="datetimeFigureOut">
               <a:rPr lang="ko-KR" altLang="en-US" smtClean="0"/>
-              <a:t>2020-03-03</a:t>
+              <a:t>2020-03-07</a:t>
             </a:fld>
             <a:endParaRPr lang="ko-KR" altLang="en-US"/>
           </a:p>
@@ -782,7 +785,7 @@
           <a:p>
             <a:fld id="{5A0BAE39-323B-4A63-B671-007B038DF96F}" type="datetimeFigureOut">
               <a:rPr lang="ko-KR" altLang="en-US" smtClean="0"/>
-              <a:t>2020-03-03</a:t>
+              <a:t>2020-03-07</a:t>
             </a:fld>
             <a:endParaRPr lang="ko-KR" altLang="en-US"/>
           </a:p>
@@ -952,7 +955,7 @@
           <a:p>
             <a:fld id="{5A0BAE39-323B-4A63-B671-007B038DF96F}" type="datetimeFigureOut">
               <a:rPr lang="ko-KR" altLang="en-US" smtClean="0"/>
-              <a:t>2020-03-03</a:t>
+              <a:t>2020-03-07</a:t>
             </a:fld>
             <a:endParaRPr lang="ko-KR" altLang="en-US"/>
           </a:p>
@@ -1196,7 +1199,7 @@
           <a:p>
             <a:fld id="{5A0BAE39-323B-4A63-B671-007B038DF96F}" type="datetimeFigureOut">
               <a:rPr lang="ko-KR" altLang="en-US" smtClean="0"/>
-              <a:t>2020-03-03</a:t>
+              <a:t>2020-03-07</a:t>
             </a:fld>
             <a:endParaRPr lang="ko-KR" altLang="en-US"/>
           </a:p>
@@ -1428,7 +1431,7 @@
           <a:p>
             <a:fld id="{5A0BAE39-323B-4A63-B671-007B038DF96F}" type="datetimeFigureOut">
               <a:rPr lang="ko-KR" altLang="en-US" smtClean="0"/>
-              <a:t>2020-03-03</a:t>
+              <a:t>2020-03-07</a:t>
             </a:fld>
             <a:endParaRPr lang="ko-KR" altLang="en-US"/>
           </a:p>
@@ -1795,7 +1798,7 @@
           <a:p>
             <a:fld id="{5A0BAE39-323B-4A63-B671-007B038DF96F}" type="datetimeFigureOut">
               <a:rPr lang="ko-KR" altLang="en-US" smtClean="0"/>
-              <a:t>2020-03-03</a:t>
+              <a:t>2020-03-07</a:t>
             </a:fld>
             <a:endParaRPr lang="ko-KR" altLang="en-US"/>
           </a:p>
@@ -1913,7 +1916,7 @@
           <a:p>
             <a:fld id="{5A0BAE39-323B-4A63-B671-007B038DF96F}" type="datetimeFigureOut">
               <a:rPr lang="ko-KR" altLang="en-US" smtClean="0"/>
-              <a:t>2020-03-03</a:t>
+              <a:t>2020-03-07</a:t>
             </a:fld>
             <a:endParaRPr lang="ko-KR" altLang="en-US"/>
           </a:p>
@@ -2008,7 +2011,7 @@
           <a:p>
             <a:fld id="{5A0BAE39-323B-4A63-B671-007B038DF96F}" type="datetimeFigureOut">
               <a:rPr lang="ko-KR" altLang="en-US" smtClean="0"/>
-              <a:t>2020-03-03</a:t>
+              <a:t>2020-03-07</a:t>
             </a:fld>
             <a:endParaRPr lang="ko-KR" altLang="en-US"/>
           </a:p>
@@ -2285,7 +2288,7 @@
           <a:p>
             <a:fld id="{5A0BAE39-323B-4A63-B671-007B038DF96F}" type="datetimeFigureOut">
               <a:rPr lang="ko-KR" altLang="en-US" smtClean="0"/>
-              <a:t>2020-03-03</a:t>
+              <a:t>2020-03-07</a:t>
             </a:fld>
             <a:endParaRPr lang="ko-KR" altLang="en-US"/>
           </a:p>
@@ -2542,7 +2545,7 @@
           <a:p>
             <a:fld id="{5A0BAE39-323B-4A63-B671-007B038DF96F}" type="datetimeFigureOut">
               <a:rPr lang="ko-KR" altLang="en-US" smtClean="0"/>
-              <a:t>2020-03-03</a:t>
+              <a:t>2020-03-07</a:t>
             </a:fld>
             <a:endParaRPr lang="ko-KR" altLang="en-US"/>
           </a:p>
@@ -2755,7 +2758,7 @@
           <a:p>
             <a:fld id="{5A0BAE39-323B-4A63-B671-007B038DF96F}" type="datetimeFigureOut">
               <a:rPr lang="ko-KR" altLang="en-US" smtClean="0"/>
-              <a:t>2020-03-03</a:t>
+              <a:t>2020-03-07</a:t>
             </a:fld>
             <a:endParaRPr lang="ko-KR" altLang="en-US"/>
           </a:p>
@@ -7830,6 +7833,1623 @@
 </p:sld>
 </file>
 
+<file path=ppt/slides/slide4.xml><?xml version="1.0" encoding="utf-8"?>
+<p:sld xmlns:a="http://schemas.openxmlformats.org/drawingml/2006/main" xmlns:r="http://schemas.openxmlformats.org/officeDocument/2006/relationships" xmlns:p="http://schemas.openxmlformats.org/presentationml/2006/main">
+  <p:cSld>
+    <p:spTree>
+      <p:nvGrpSpPr>
+        <p:cNvPr id="1" name=""/>
+        <p:cNvGrpSpPr/>
+        <p:nvPr/>
+      </p:nvGrpSpPr>
+      <p:grpSpPr>
+        <a:xfrm>
+          <a:off x="0" y="0"/>
+          <a:ext cx="0" cy="0"/>
+          <a:chOff x="0" y="0"/>
+          <a:chExt cx="0" cy="0"/>
+        </a:xfrm>
+      </p:grpSpPr>
+      <p:pic>
+        <p:nvPicPr>
+          <p:cNvPr id="4" name="그림 3">
+            <a:extLst>
+              <a:ext uri="{FF2B5EF4-FFF2-40B4-BE49-F238E27FC236}">
+                <a16:creationId xmlns:a16="http://schemas.microsoft.com/office/drawing/2014/main" id="{5E357404-C3B3-444C-877C-B0B2060C7B7E}"/>
+              </a:ext>
+            </a:extLst>
+          </p:cNvPr>
+          <p:cNvPicPr>
+            <a:picLocks noChangeAspect="1"/>
+          </p:cNvPicPr>
+          <p:nvPr/>
+        </p:nvPicPr>
+        <p:blipFill>
+          <a:blip r:embed="rId2"/>
+          <a:stretch>
+            <a:fillRect/>
+          </a:stretch>
+        </p:blipFill>
+        <p:spPr>
+          <a:xfrm>
+            <a:off x="353535" y="536263"/>
+            <a:ext cx="6011114" cy="5315692"/>
+          </a:xfrm>
+          <a:prstGeom prst="rect">
+            <a:avLst/>
+          </a:prstGeom>
+        </p:spPr>
+      </p:pic>
+      <p:sp>
+        <p:nvSpPr>
+          <p:cNvPr id="9" name="타원 8">
+            <a:extLst>
+              <a:ext uri="{FF2B5EF4-FFF2-40B4-BE49-F238E27FC236}">
+                <a16:creationId xmlns:a16="http://schemas.microsoft.com/office/drawing/2014/main" id="{622DD805-4DEF-4524-B96D-261C5D1EDD29}"/>
+              </a:ext>
+            </a:extLst>
+          </p:cNvPr>
+          <p:cNvSpPr/>
+          <p:nvPr/>
+        </p:nvSpPr>
+        <p:spPr>
+          <a:xfrm>
+            <a:off x="1482331" y="3846939"/>
+            <a:ext cx="134471" cy="134471"/>
+          </a:xfrm>
+          <a:prstGeom prst="ellipse">
+            <a:avLst/>
+          </a:prstGeom>
+        </p:spPr>
+        <p:style>
+          <a:lnRef idx="2">
+            <a:schemeClr val="dk1">
+              <a:shade val="50000"/>
+            </a:schemeClr>
+          </a:lnRef>
+          <a:fillRef idx="1">
+            <a:schemeClr val="dk1"/>
+          </a:fillRef>
+          <a:effectRef idx="0">
+            <a:schemeClr val="dk1"/>
+          </a:effectRef>
+          <a:fontRef idx="minor">
+            <a:schemeClr val="lt1"/>
+          </a:fontRef>
+        </p:style>
+        <p:txBody>
+          <a:bodyPr rtlCol="0" anchor="ctr"/>
+          <a:lstStyle/>
+          <a:p>
+            <a:pPr algn="ctr"/>
+            <a:endParaRPr lang="ko-KR" altLang="en-US"/>
+          </a:p>
+        </p:txBody>
+      </p:sp>
+      <p:sp>
+        <p:nvSpPr>
+          <p:cNvPr id="10" name="타원 9">
+            <a:extLst>
+              <a:ext uri="{FF2B5EF4-FFF2-40B4-BE49-F238E27FC236}">
+                <a16:creationId xmlns:a16="http://schemas.microsoft.com/office/drawing/2014/main" id="{A4CAC5F7-7358-486C-A23C-076CBE1573ED}"/>
+              </a:ext>
+            </a:extLst>
+          </p:cNvPr>
+          <p:cNvSpPr/>
+          <p:nvPr/>
+        </p:nvSpPr>
+        <p:spPr>
+          <a:xfrm>
+            <a:off x="3010526" y="4620124"/>
+            <a:ext cx="134471" cy="134471"/>
+          </a:xfrm>
+          <a:prstGeom prst="ellipse">
+            <a:avLst/>
+          </a:prstGeom>
+        </p:spPr>
+        <p:style>
+          <a:lnRef idx="2">
+            <a:schemeClr val="dk1">
+              <a:shade val="50000"/>
+            </a:schemeClr>
+          </a:lnRef>
+          <a:fillRef idx="1">
+            <a:schemeClr val="dk1"/>
+          </a:fillRef>
+          <a:effectRef idx="0">
+            <a:schemeClr val="dk1"/>
+          </a:effectRef>
+          <a:fontRef idx="minor">
+            <a:schemeClr val="lt1"/>
+          </a:fontRef>
+        </p:style>
+        <p:txBody>
+          <a:bodyPr rtlCol="0" anchor="ctr"/>
+          <a:lstStyle/>
+          <a:p>
+            <a:pPr algn="ctr"/>
+            <a:endParaRPr lang="ko-KR" altLang="en-US"/>
+          </a:p>
+        </p:txBody>
+      </p:sp>
+      <p:sp>
+        <p:nvSpPr>
+          <p:cNvPr id="11" name="타원 10">
+            <a:extLst>
+              <a:ext uri="{FF2B5EF4-FFF2-40B4-BE49-F238E27FC236}">
+                <a16:creationId xmlns:a16="http://schemas.microsoft.com/office/drawing/2014/main" id="{8AEFD0F4-C47F-4717-932B-5BD00648C6ED}"/>
+              </a:ext>
+            </a:extLst>
+          </p:cNvPr>
+          <p:cNvSpPr/>
+          <p:nvPr/>
+        </p:nvSpPr>
+        <p:spPr>
+          <a:xfrm>
+            <a:off x="3789019" y="3846939"/>
+            <a:ext cx="134471" cy="134471"/>
+          </a:xfrm>
+          <a:prstGeom prst="ellipse">
+            <a:avLst/>
+          </a:prstGeom>
+        </p:spPr>
+        <p:style>
+          <a:lnRef idx="2">
+            <a:schemeClr val="dk1">
+              <a:shade val="50000"/>
+            </a:schemeClr>
+          </a:lnRef>
+          <a:fillRef idx="1">
+            <a:schemeClr val="dk1"/>
+          </a:fillRef>
+          <a:effectRef idx="0">
+            <a:schemeClr val="dk1"/>
+          </a:effectRef>
+          <a:fontRef idx="minor">
+            <a:schemeClr val="lt1"/>
+          </a:fontRef>
+        </p:style>
+        <p:txBody>
+          <a:bodyPr rtlCol="0" anchor="ctr"/>
+          <a:lstStyle/>
+          <a:p>
+            <a:pPr algn="ctr"/>
+            <a:endParaRPr lang="ko-KR" altLang="en-US"/>
+          </a:p>
+        </p:txBody>
+      </p:sp>
+      <p:sp>
+        <p:nvSpPr>
+          <p:cNvPr id="12" name="타원 11">
+            <a:extLst>
+              <a:ext uri="{FF2B5EF4-FFF2-40B4-BE49-F238E27FC236}">
+                <a16:creationId xmlns:a16="http://schemas.microsoft.com/office/drawing/2014/main" id="{07D2A30B-F70D-47C6-A0CF-B657DC801DC8}"/>
+              </a:ext>
+            </a:extLst>
+          </p:cNvPr>
+          <p:cNvSpPr/>
+          <p:nvPr/>
+        </p:nvSpPr>
+        <p:spPr>
+          <a:xfrm>
+            <a:off x="3010525" y="2313152"/>
+            <a:ext cx="134471" cy="134471"/>
+          </a:xfrm>
+          <a:prstGeom prst="ellipse">
+            <a:avLst/>
+          </a:prstGeom>
+        </p:spPr>
+        <p:style>
+          <a:lnRef idx="2">
+            <a:schemeClr val="dk1">
+              <a:shade val="50000"/>
+            </a:schemeClr>
+          </a:lnRef>
+          <a:fillRef idx="1">
+            <a:schemeClr val="dk1"/>
+          </a:fillRef>
+          <a:effectRef idx="0">
+            <a:schemeClr val="dk1"/>
+          </a:effectRef>
+          <a:fontRef idx="minor">
+            <a:schemeClr val="lt1"/>
+          </a:fontRef>
+        </p:style>
+        <p:txBody>
+          <a:bodyPr rtlCol="0" anchor="ctr"/>
+          <a:lstStyle/>
+          <a:p>
+            <a:pPr algn="ctr"/>
+            <a:endParaRPr lang="ko-KR" altLang="en-US"/>
+          </a:p>
+        </p:txBody>
+      </p:sp>
+      <p:sp>
+        <p:nvSpPr>
+          <p:cNvPr id="13" name="타원 12">
+            <a:extLst>
+              <a:ext uri="{FF2B5EF4-FFF2-40B4-BE49-F238E27FC236}">
+                <a16:creationId xmlns:a16="http://schemas.microsoft.com/office/drawing/2014/main" id="{2C1C75D7-C05B-4358-8F2F-A2687DAF564F}"/>
+              </a:ext>
+            </a:extLst>
+          </p:cNvPr>
+          <p:cNvSpPr/>
+          <p:nvPr/>
+        </p:nvSpPr>
+        <p:spPr>
+          <a:xfrm>
+            <a:off x="1473942" y="3110095"/>
+            <a:ext cx="134471" cy="134471"/>
+          </a:xfrm>
+          <a:prstGeom prst="ellipse">
+            <a:avLst/>
+          </a:prstGeom>
+        </p:spPr>
+        <p:style>
+          <a:lnRef idx="2">
+            <a:schemeClr val="dk1">
+              <a:shade val="50000"/>
+            </a:schemeClr>
+          </a:lnRef>
+          <a:fillRef idx="1">
+            <a:schemeClr val="dk1"/>
+          </a:fillRef>
+          <a:effectRef idx="0">
+            <a:schemeClr val="dk1"/>
+          </a:effectRef>
+          <a:fontRef idx="minor">
+            <a:schemeClr val="lt1"/>
+          </a:fontRef>
+        </p:style>
+        <p:txBody>
+          <a:bodyPr rtlCol="0" anchor="ctr"/>
+          <a:lstStyle/>
+          <a:p>
+            <a:pPr algn="ctr"/>
+            <a:endParaRPr lang="ko-KR" altLang="en-US"/>
+          </a:p>
+        </p:txBody>
+      </p:sp>
+      <p:cxnSp>
+        <p:nvCxnSpPr>
+          <p:cNvPr id="15" name="직선 연결선 14">
+            <a:extLst>
+              <a:ext uri="{FF2B5EF4-FFF2-40B4-BE49-F238E27FC236}">
+                <a16:creationId xmlns:a16="http://schemas.microsoft.com/office/drawing/2014/main" id="{F702A2DA-48F1-47A0-B32E-42F06E7A34EB}"/>
+              </a:ext>
+            </a:extLst>
+          </p:cNvPr>
+          <p:cNvCxnSpPr>
+            <a:stCxn id="9" idx="0"/>
+            <a:endCxn id="13" idx="4"/>
+          </p:cNvCxnSpPr>
+          <p:nvPr/>
+        </p:nvCxnSpPr>
+        <p:spPr>
+          <a:xfrm flipH="1" flipV="1">
+            <a:off x="1541178" y="3244566"/>
+            <a:ext cx="8389" cy="602373"/>
+          </a:xfrm>
+          <a:prstGeom prst="line">
+            <a:avLst/>
+          </a:prstGeom>
+        </p:spPr>
+        <p:style>
+          <a:lnRef idx="1">
+            <a:schemeClr val="dk1"/>
+          </a:lnRef>
+          <a:fillRef idx="0">
+            <a:schemeClr val="dk1"/>
+          </a:fillRef>
+          <a:effectRef idx="0">
+            <a:schemeClr val="dk1"/>
+          </a:effectRef>
+          <a:fontRef idx="minor">
+            <a:schemeClr val="tx1"/>
+          </a:fontRef>
+        </p:style>
+      </p:cxnSp>
+      <p:cxnSp>
+        <p:nvCxnSpPr>
+          <p:cNvPr id="16" name="직선 연결선 15">
+            <a:extLst>
+              <a:ext uri="{FF2B5EF4-FFF2-40B4-BE49-F238E27FC236}">
+                <a16:creationId xmlns:a16="http://schemas.microsoft.com/office/drawing/2014/main" id="{9CEE3F22-D384-47F9-BE77-331ABA4BDD8F}"/>
+              </a:ext>
+            </a:extLst>
+          </p:cNvPr>
+          <p:cNvCxnSpPr>
+            <a:cxnSpLocks/>
+          </p:cNvCxnSpPr>
+          <p:nvPr/>
+        </p:nvCxnSpPr>
+        <p:spPr>
+          <a:xfrm flipV="1">
+            <a:off x="1608413" y="2419606"/>
+            <a:ext cx="1402112" cy="730386"/>
+          </a:xfrm>
+          <a:prstGeom prst="line">
+            <a:avLst/>
+          </a:prstGeom>
+        </p:spPr>
+        <p:style>
+          <a:lnRef idx="1">
+            <a:schemeClr val="dk1"/>
+          </a:lnRef>
+          <a:fillRef idx="0">
+            <a:schemeClr val="dk1"/>
+          </a:fillRef>
+          <a:effectRef idx="0">
+            <a:schemeClr val="dk1"/>
+          </a:effectRef>
+          <a:fontRef idx="minor">
+            <a:schemeClr val="tx1"/>
+          </a:fontRef>
+        </p:style>
+      </p:cxnSp>
+      <p:cxnSp>
+        <p:nvCxnSpPr>
+          <p:cNvPr id="19" name="직선 연결선 18">
+            <a:extLst>
+              <a:ext uri="{FF2B5EF4-FFF2-40B4-BE49-F238E27FC236}">
+                <a16:creationId xmlns:a16="http://schemas.microsoft.com/office/drawing/2014/main" id="{EF44C928-1640-48A6-B614-0368366716EC}"/>
+              </a:ext>
+            </a:extLst>
+          </p:cNvPr>
+          <p:cNvCxnSpPr>
+            <a:cxnSpLocks/>
+            <a:stCxn id="11" idx="1"/>
+            <a:endCxn id="12" idx="4"/>
+          </p:cNvCxnSpPr>
+          <p:nvPr/>
+        </p:nvCxnSpPr>
+        <p:spPr>
+          <a:xfrm flipH="1" flipV="1">
+            <a:off x="3077761" y="2447623"/>
+            <a:ext cx="730951" cy="1419009"/>
+          </a:xfrm>
+          <a:prstGeom prst="line">
+            <a:avLst/>
+          </a:prstGeom>
+        </p:spPr>
+        <p:style>
+          <a:lnRef idx="1">
+            <a:schemeClr val="dk1"/>
+          </a:lnRef>
+          <a:fillRef idx="0">
+            <a:schemeClr val="dk1"/>
+          </a:fillRef>
+          <a:effectRef idx="0">
+            <a:schemeClr val="dk1"/>
+          </a:effectRef>
+          <a:fontRef idx="minor">
+            <a:schemeClr val="tx1"/>
+          </a:fontRef>
+        </p:style>
+      </p:cxnSp>
+      <p:cxnSp>
+        <p:nvCxnSpPr>
+          <p:cNvPr id="22" name="직선 연결선 21">
+            <a:extLst>
+              <a:ext uri="{FF2B5EF4-FFF2-40B4-BE49-F238E27FC236}">
+                <a16:creationId xmlns:a16="http://schemas.microsoft.com/office/drawing/2014/main" id="{45E40D10-8E06-4AB0-B6D2-401C8850E468}"/>
+              </a:ext>
+            </a:extLst>
+          </p:cNvPr>
+          <p:cNvCxnSpPr>
+            <a:cxnSpLocks/>
+            <a:stCxn id="10" idx="7"/>
+            <a:endCxn id="11" idx="3"/>
+          </p:cNvCxnSpPr>
+          <p:nvPr/>
+        </p:nvCxnSpPr>
+        <p:spPr>
+          <a:xfrm flipV="1">
+            <a:off x="3125304" y="3961717"/>
+            <a:ext cx="683408" cy="678100"/>
+          </a:xfrm>
+          <a:prstGeom prst="line">
+            <a:avLst/>
+          </a:prstGeom>
+        </p:spPr>
+        <p:style>
+          <a:lnRef idx="1">
+            <a:schemeClr val="dk1"/>
+          </a:lnRef>
+          <a:fillRef idx="0">
+            <a:schemeClr val="dk1"/>
+          </a:fillRef>
+          <a:effectRef idx="0">
+            <a:schemeClr val="dk1"/>
+          </a:effectRef>
+          <a:fontRef idx="minor">
+            <a:schemeClr val="tx1"/>
+          </a:fontRef>
+        </p:style>
+      </p:cxnSp>
+      <p:cxnSp>
+        <p:nvCxnSpPr>
+          <p:cNvPr id="25" name="직선 연결선 24">
+            <a:extLst>
+              <a:ext uri="{FF2B5EF4-FFF2-40B4-BE49-F238E27FC236}">
+                <a16:creationId xmlns:a16="http://schemas.microsoft.com/office/drawing/2014/main" id="{599D6706-4AE2-4B64-A15A-F42034DF170D}"/>
+              </a:ext>
+            </a:extLst>
+          </p:cNvPr>
+          <p:cNvCxnSpPr>
+            <a:cxnSpLocks/>
+            <a:stCxn id="10" idx="2"/>
+          </p:cNvCxnSpPr>
+          <p:nvPr/>
+        </p:nvCxnSpPr>
+        <p:spPr>
+          <a:xfrm flipH="1" flipV="1">
+            <a:off x="1608414" y="3968854"/>
+            <a:ext cx="1402112" cy="718506"/>
+          </a:xfrm>
+          <a:prstGeom prst="line">
+            <a:avLst/>
+          </a:prstGeom>
+        </p:spPr>
+        <p:style>
+          <a:lnRef idx="1">
+            <a:schemeClr val="dk1"/>
+          </a:lnRef>
+          <a:fillRef idx="0">
+            <a:schemeClr val="dk1"/>
+          </a:fillRef>
+          <a:effectRef idx="0">
+            <a:schemeClr val="dk1"/>
+          </a:effectRef>
+          <a:fontRef idx="minor">
+            <a:schemeClr val="tx1"/>
+          </a:fontRef>
+        </p:style>
+      </p:cxnSp>
+      <p:sp>
+        <p:nvSpPr>
+          <p:cNvPr id="27" name="타원 26">
+            <a:extLst>
+              <a:ext uri="{FF2B5EF4-FFF2-40B4-BE49-F238E27FC236}">
+                <a16:creationId xmlns:a16="http://schemas.microsoft.com/office/drawing/2014/main" id="{7A550864-76A5-4E55-AACC-CE5165BAAC28}"/>
+              </a:ext>
+            </a:extLst>
+          </p:cNvPr>
+          <p:cNvSpPr/>
+          <p:nvPr/>
+        </p:nvSpPr>
+        <p:spPr>
+          <a:xfrm>
+            <a:off x="4553116" y="2319579"/>
+            <a:ext cx="134471" cy="134471"/>
+          </a:xfrm>
+          <a:prstGeom prst="ellipse">
+            <a:avLst/>
+          </a:prstGeom>
+          <a:solidFill>
+            <a:schemeClr val="bg1">
+              <a:lumMod val="75000"/>
+            </a:schemeClr>
+          </a:solidFill>
+          <a:ln>
+            <a:noFill/>
+          </a:ln>
+        </p:spPr>
+        <p:style>
+          <a:lnRef idx="2">
+            <a:schemeClr val="dk1">
+              <a:shade val="50000"/>
+            </a:schemeClr>
+          </a:lnRef>
+          <a:fillRef idx="1">
+            <a:schemeClr val="dk1"/>
+          </a:fillRef>
+          <a:effectRef idx="0">
+            <a:schemeClr val="dk1"/>
+          </a:effectRef>
+          <a:fontRef idx="minor">
+            <a:schemeClr val="lt1"/>
+          </a:fontRef>
+        </p:style>
+        <p:txBody>
+          <a:bodyPr rtlCol="0" anchor="ctr"/>
+          <a:lstStyle/>
+          <a:p>
+            <a:pPr algn="ctr"/>
+            <a:endParaRPr lang="ko-KR" altLang="en-US"/>
+          </a:p>
+        </p:txBody>
+      </p:sp>
+      <p:sp>
+        <p:nvSpPr>
+          <p:cNvPr id="28" name="타원 27">
+            <a:extLst>
+              <a:ext uri="{FF2B5EF4-FFF2-40B4-BE49-F238E27FC236}">
+                <a16:creationId xmlns:a16="http://schemas.microsoft.com/office/drawing/2014/main" id="{BE11E810-56FE-4CC5-B691-777E38083531}"/>
+              </a:ext>
+            </a:extLst>
+          </p:cNvPr>
+          <p:cNvSpPr/>
+          <p:nvPr/>
+        </p:nvSpPr>
+        <p:spPr>
+          <a:xfrm>
+            <a:off x="2242233" y="3110094"/>
+            <a:ext cx="134471" cy="134471"/>
+          </a:xfrm>
+          <a:prstGeom prst="ellipse">
+            <a:avLst/>
+          </a:prstGeom>
+          <a:solidFill>
+            <a:schemeClr val="bg1">
+              <a:lumMod val="75000"/>
+            </a:schemeClr>
+          </a:solidFill>
+          <a:ln>
+            <a:noFill/>
+          </a:ln>
+        </p:spPr>
+        <p:style>
+          <a:lnRef idx="2">
+            <a:schemeClr val="dk1">
+              <a:shade val="50000"/>
+            </a:schemeClr>
+          </a:lnRef>
+          <a:fillRef idx="1">
+            <a:schemeClr val="dk1"/>
+          </a:fillRef>
+          <a:effectRef idx="0">
+            <a:schemeClr val="dk1"/>
+          </a:effectRef>
+          <a:fontRef idx="minor">
+            <a:schemeClr val="lt1"/>
+          </a:fontRef>
+        </p:style>
+        <p:txBody>
+          <a:bodyPr rtlCol="0" anchor="ctr"/>
+          <a:lstStyle/>
+          <a:p>
+            <a:pPr algn="ctr"/>
+            <a:endParaRPr lang="ko-KR" altLang="en-US"/>
+          </a:p>
+        </p:txBody>
+      </p:sp>
+      <p:sp>
+        <p:nvSpPr>
+          <p:cNvPr id="29" name="타원 28">
+            <a:extLst>
+              <a:ext uri="{FF2B5EF4-FFF2-40B4-BE49-F238E27FC236}">
+                <a16:creationId xmlns:a16="http://schemas.microsoft.com/office/drawing/2014/main" id="{3845567C-B9CE-45E2-A15A-52C0C02FEA8F}"/>
+              </a:ext>
+            </a:extLst>
+          </p:cNvPr>
+          <p:cNvSpPr/>
+          <p:nvPr/>
+        </p:nvSpPr>
+        <p:spPr>
+          <a:xfrm>
+            <a:off x="3018914" y="3875049"/>
+            <a:ext cx="134471" cy="134471"/>
+          </a:xfrm>
+          <a:prstGeom prst="ellipse">
+            <a:avLst/>
+          </a:prstGeom>
+          <a:solidFill>
+            <a:schemeClr val="bg1">
+              <a:lumMod val="75000"/>
+            </a:schemeClr>
+          </a:solidFill>
+          <a:ln>
+            <a:noFill/>
+          </a:ln>
+        </p:spPr>
+        <p:style>
+          <a:lnRef idx="2">
+            <a:schemeClr val="dk1">
+              <a:shade val="50000"/>
+            </a:schemeClr>
+          </a:lnRef>
+          <a:fillRef idx="1">
+            <a:schemeClr val="dk1"/>
+          </a:fillRef>
+          <a:effectRef idx="0">
+            <a:schemeClr val="dk1"/>
+          </a:effectRef>
+          <a:fontRef idx="minor">
+            <a:schemeClr val="lt1"/>
+          </a:fontRef>
+        </p:style>
+        <p:txBody>
+          <a:bodyPr rtlCol="0" anchor="ctr"/>
+          <a:lstStyle/>
+          <a:p>
+            <a:pPr algn="ctr"/>
+            <a:endParaRPr lang="ko-KR" altLang="en-US"/>
+          </a:p>
+        </p:txBody>
+      </p:sp>
+      <p:sp>
+        <p:nvSpPr>
+          <p:cNvPr id="30" name="타원 29">
+            <a:extLst>
+              <a:ext uri="{FF2B5EF4-FFF2-40B4-BE49-F238E27FC236}">
+                <a16:creationId xmlns:a16="http://schemas.microsoft.com/office/drawing/2014/main" id="{CE8C27A9-7D67-4221-8008-6A28AB25E2AE}"/>
+              </a:ext>
+            </a:extLst>
+          </p:cNvPr>
+          <p:cNvSpPr/>
+          <p:nvPr/>
+        </p:nvSpPr>
+        <p:spPr>
+          <a:xfrm>
+            <a:off x="4538719" y="3089891"/>
+            <a:ext cx="134471" cy="134471"/>
+          </a:xfrm>
+          <a:prstGeom prst="ellipse">
+            <a:avLst/>
+          </a:prstGeom>
+          <a:solidFill>
+            <a:schemeClr val="bg1">
+              <a:lumMod val="75000"/>
+            </a:schemeClr>
+          </a:solidFill>
+          <a:ln>
+            <a:noFill/>
+          </a:ln>
+        </p:spPr>
+        <p:style>
+          <a:lnRef idx="2">
+            <a:schemeClr val="dk1">
+              <a:shade val="50000"/>
+            </a:schemeClr>
+          </a:lnRef>
+          <a:fillRef idx="1">
+            <a:schemeClr val="dk1"/>
+          </a:fillRef>
+          <a:effectRef idx="0">
+            <a:schemeClr val="dk1"/>
+          </a:effectRef>
+          <a:fontRef idx="minor">
+            <a:schemeClr val="lt1"/>
+          </a:fontRef>
+        </p:style>
+        <p:txBody>
+          <a:bodyPr rtlCol="0" anchor="ctr"/>
+          <a:lstStyle/>
+          <a:p>
+            <a:pPr algn="ctr"/>
+            <a:endParaRPr lang="ko-KR" altLang="en-US"/>
+          </a:p>
+        </p:txBody>
+      </p:sp>
+      <p:cxnSp>
+        <p:nvCxnSpPr>
+          <p:cNvPr id="31" name="직선 연결선 30">
+            <a:extLst>
+              <a:ext uri="{FF2B5EF4-FFF2-40B4-BE49-F238E27FC236}">
+                <a16:creationId xmlns:a16="http://schemas.microsoft.com/office/drawing/2014/main" id="{E7B458C1-C1BF-4259-9AC4-BE07C1E60527}"/>
+              </a:ext>
+            </a:extLst>
+          </p:cNvPr>
+          <p:cNvCxnSpPr>
+            <a:cxnSpLocks/>
+            <a:endCxn id="27" idx="2"/>
+          </p:cNvCxnSpPr>
+          <p:nvPr/>
+        </p:nvCxnSpPr>
+        <p:spPr>
+          <a:xfrm flipV="1">
+            <a:off x="2366858" y="2386815"/>
+            <a:ext cx="2186258" cy="763178"/>
+          </a:xfrm>
+          <a:prstGeom prst="line">
+            <a:avLst/>
+          </a:prstGeom>
+          <a:ln w="28575">
+            <a:solidFill>
+              <a:schemeClr val="bg1">
+                <a:lumMod val="50000"/>
+              </a:schemeClr>
+            </a:solidFill>
+          </a:ln>
+        </p:spPr>
+        <p:style>
+          <a:lnRef idx="1">
+            <a:schemeClr val="dk1"/>
+          </a:lnRef>
+          <a:fillRef idx="0">
+            <a:schemeClr val="dk1"/>
+          </a:fillRef>
+          <a:effectRef idx="0">
+            <a:schemeClr val="dk1"/>
+          </a:effectRef>
+          <a:fontRef idx="minor">
+            <a:schemeClr val="tx1"/>
+          </a:fontRef>
+        </p:style>
+      </p:cxnSp>
+      <p:cxnSp>
+        <p:nvCxnSpPr>
+          <p:cNvPr id="34" name="직선 연결선 33">
+            <a:extLst>
+              <a:ext uri="{FF2B5EF4-FFF2-40B4-BE49-F238E27FC236}">
+                <a16:creationId xmlns:a16="http://schemas.microsoft.com/office/drawing/2014/main" id="{3C41A071-04A6-4D01-8785-AEA79D771827}"/>
+              </a:ext>
+            </a:extLst>
+          </p:cNvPr>
+          <p:cNvCxnSpPr>
+            <a:cxnSpLocks/>
+          </p:cNvCxnSpPr>
+          <p:nvPr/>
+        </p:nvCxnSpPr>
+        <p:spPr>
+          <a:xfrm flipV="1">
+            <a:off x="4606063" y="2454050"/>
+            <a:ext cx="0" cy="630091"/>
+          </a:xfrm>
+          <a:prstGeom prst="line">
+            <a:avLst/>
+          </a:prstGeom>
+          <a:ln w="28575">
+            <a:solidFill>
+              <a:schemeClr val="bg1">
+                <a:lumMod val="50000"/>
+              </a:schemeClr>
+            </a:solidFill>
+          </a:ln>
+        </p:spPr>
+        <p:style>
+          <a:lnRef idx="1">
+            <a:schemeClr val="dk1"/>
+          </a:lnRef>
+          <a:fillRef idx="0">
+            <a:schemeClr val="dk1"/>
+          </a:fillRef>
+          <a:effectRef idx="0">
+            <a:schemeClr val="dk1"/>
+          </a:effectRef>
+          <a:fontRef idx="minor">
+            <a:schemeClr val="tx1"/>
+          </a:fontRef>
+        </p:style>
+      </p:cxnSp>
+      <p:cxnSp>
+        <p:nvCxnSpPr>
+          <p:cNvPr id="37" name="직선 연결선 36">
+            <a:extLst>
+              <a:ext uri="{FF2B5EF4-FFF2-40B4-BE49-F238E27FC236}">
+                <a16:creationId xmlns:a16="http://schemas.microsoft.com/office/drawing/2014/main" id="{B24B90D9-C986-47FC-9E1C-D6080F281750}"/>
+              </a:ext>
+            </a:extLst>
+          </p:cNvPr>
+          <p:cNvCxnSpPr>
+            <a:cxnSpLocks/>
+            <a:stCxn id="29" idx="7"/>
+            <a:endCxn id="30" idx="3"/>
+          </p:cNvCxnSpPr>
+          <p:nvPr/>
+        </p:nvCxnSpPr>
+        <p:spPr>
+          <a:xfrm flipV="1">
+            <a:off x="3133692" y="3204669"/>
+            <a:ext cx="1424720" cy="690073"/>
+          </a:xfrm>
+          <a:prstGeom prst="line">
+            <a:avLst/>
+          </a:prstGeom>
+          <a:ln w="28575">
+            <a:solidFill>
+              <a:schemeClr val="bg1">
+                <a:lumMod val="50000"/>
+              </a:schemeClr>
+            </a:solidFill>
+          </a:ln>
+        </p:spPr>
+        <p:style>
+          <a:lnRef idx="1">
+            <a:schemeClr val="dk1"/>
+          </a:lnRef>
+          <a:fillRef idx="0">
+            <a:schemeClr val="dk1"/>
+          </a:fillRef>
+          <a:effectRef idx="0">
+            <a:schemeClr val="dk1"/>
+          </a:effectRef>
+          <a:fontRef idx="minor">
+            <a:schemeClr val="tx1"/>
+          </a:fontRef>
+        </p:style>
+      </p:cxnSp>
+      <p:cxnSp>
+        <p:nvCxnSpPr>
+          <p:cNvPr id="40" name="직선 연결선 39">
+            <a:extLst>
+              <a:ext uri="{FF2B5EF4-FFF2-40B4-BE49-F238E27FC236}">
+                <a16:creationId xmlns:a16="http://schemas.microsoft.com/office/drawing/2014/main" id="{4A3DB3EF-9350-4E79-85D2-EE25E67F74EC}"/>
+              </a:ext>
+            </a:extLst>
+          </p:cNvPr>
+          <p:cNvCxnSpPr>
+            <a:cxnSpLocks/>
+            <a:stCxn id="29" idx="1"/>
+            <a:endCxn id="28" idx="5"/>
+          </p:cNvCxnSpPr>
+          <p:nvPr/>
+        </p:nvCxnSpPr>
+        <p:spPr>
+          <a:xfrm flipH="1" flipV="1">
+            <a:off x="2357011" y="3224872"/>
+            <a:ext cx="681596" cy="669870"/>
+          </a:xfrm>
+          <a:prstGeom prst="line">
+            <a:avLst/>
+          </a:prstGeom>
+          <a:ln w="28575">
+            <a:solidFill>
+              <a:schemeClr val="bg1">
+                <a:lumMod val="50000"/>
+              </a:schemeClr>
+            </a:solidFill>
+          </a:ln>
+        </p:spPr>
+        <p:style>
+          <a:lnRef idx="1">
+            <a:schemeClr val="dk1"/>
+          </a:lnRef>
+          <a:fillRef idx="0">
+            <a:schemeClr val="dk1"/>
+          </a:fillRef>
+          <a:effectRef idx="0">
+            <a:schemeClr val="dk1"/>
+          </a:effectRef>
+          <a:fontRef idx="minor">
+            <a:schemeClr val="tx1"/>
+          </a:fontRef>
+        </p:style>
+      </p:cxnSp>
+    </p:spTree>
+    <p:extLst>
+      <p:ext uri="{BB962C8B-B14F-4D97-AF65-F5344CB8AC3E}">
+        <p14:creationId xmlns:p14="http://schemas.microsoft.com/office/powerpoint/2010/main" val="2629895857"/>
+      </p:ext>
+    </p:extLst>
+  </p:cSld>
+  <p:clrMapOvr>
+    <a:masterClrMapping/>
+  </p:clrMapOvr>
+</p:sld>
+</file>
+
+<file path=ppt/slides/slide5.xml><?xml version="1.0" encoding="utf-8"?>
+<p:sld xmlns:a="http://schemas.openxmlformats.org/drawingml/2006/main" xmlns:r="http://schemas.openxmlformats.org/officeDocument/2006/relationships" xmlns:p="http://schemas.openxmlformats.org/presentationml/2006/main">
+  <p:cSld>
+    <p:spTree>
+      <p:nvGrpSpPr>
+        <p:cNvPr id="1" name=""/>
+        <p:cNvGrpSpPr/>
+        <p:nvPr/>
+      </p:nvGrpSpPr>
+      <p:grpSpPr>
+        <a:xfrm>
+          <a:off x="0" y="0"/>
+          <a:ext cx="0" cy="0"/>
+          <a:chOff x="0" y="0"/>
+          <a:chExt cx="0" cy="0"/>
+        </a:xfrm>
+      </p:grpSpPr>
+      <p:pic>
+        <p:nvPicPr>
+          <p:cNvPr id="4" name="그림 3">
+            <a:extLst>
+              <a:ext uri="{FF2B5EF4-FFF2-40B4-BE49-F238E27FC236}">
+                <a16:creationId xmlns:a16="http://schemas.microsoft.com/office/drawing/2014/main" id="{3C987E84-AC5F-44BC-9FF3-2B588BA84234}"/>
+              </a:ext>
+            </a:extLst>
+          </p:cNvPr>
+          <p:cNvPicPr>
+            <a:picLocks noChangeAspect="1"/>
+          </p:cNvPicPr>
+          <p:nvPr/>
+        </p:nvPicPr>
+        <p:blipFill>
+          <a:blip r:embed="rId2"/>
+          <a:stretch>
+            <a:fillRect/>
+          </a:stretch>
+        </p:blipFill>
+        <p:spPr>
+          <a:xfrm>
+            <a:off x="1442547" y="323416"/>
+            <a:ext cx="7020905" cy="6211167"/>
+          </a:xfrm>
+          <a:prstGeom prst="rect">
+            <a:avLst/>
+          </a:prstGeom>
+        </p:spPr>
+      </p:pic>
+    </p:spTree>
+    <p:extLst>
+      <p:ext uri="{BB962C8B-B14F-4D97-AF65-F5344CB8AC3E}">
+        <p14:creationId xmlns:p14="http://schemas.microsoft.com/office/powerpoint/2010/main" val="4029984968"/>
+      </p:ext>
+    </p:extLst>
+  </p:cSld>
+  <p:clrMapOvr>
+    <a:masterClrMapping/>
+  </p:clrMapOvr>
+</p:sld>
+</file>
+
+<file path=ppt/slides/slide6.xml><?xml version="1.0" encoding="utf-8"?>
+<p:sld xmlns:a="http://schemas.openxmlformats.org/drawingml/2006/main" xmlns:r="http://schemas.openxmlformats.org/officeDocument/2006/relationships" xmlns:p="http://schemas.openxmlformats.org/presentationml/2006/main">
+  <p:cSld>
+    <p:spTree>
+      <p:nvGrpSpPr>
+        <p:cNvPr id="1" name=""/>
+        <p:cNvGrpSpPr/>
+        <p:nvPr/>
+      </p:nvGrpSpPr>
+      <p:grpSpPr>
+        <a:xfrm>
+          <a:off x="0" y="0"/>
+          <a:ext cx="0" cy="0"/>
+          <a:chOff x="0" y="0"/>
+          <a:chExt cx="0" cy="0"/>
+        </a:xfrm>
+      </p:grpSpPr>
+      <p:pic>
+        <p:nvPicPr>
+          <p:cNvPr id="4" name="그림 3">
+            <a:extLst>
+              <a:ext uri="{FF2B5EF4-FFF2-40B4-BE49-F238E27FC236}">
+                <a16:creationId xmlns:a16="http://schemas.microsoft.com/office/drawing/2014/main" id="{F859DD2D-DFC2-4C6A-B2C9-82E9ACD0992E}"/>
+              </a:ext>
+            </a:extLst>
+          </p:cNvPr>
+          <p:cNvPicPr>
+            <a:picLocks noChangeAspect="1"/>
+          </p:cNvPicPr>
+          <p:nvPr/>
+        </p:nvPicPr>
+        <p:blipFill>
+          <a:blip r:embed="rId2"/>
+          <a:stretch>
+            <a:fillRect/>
+          </a:stretch>
+        </p:blipFill>
+        <p:spPr>
+          <a:xfrm>
+            <a:off x="1623548" y="1180786"/>
+            <a:ext cx="6658904" cy="4496427"/>
+          </a:xfrm>
+          <a:prstGeom prst="rect">
+            <a:avLst/>
+          </a:prstGeom>
+        </p:spPr>
+      </p:pic>
+      <p:cxnSp>
+        <p:nvCxnSpPr>
+          <p:cNvPr id="6" name="직선 연결선 5">
+            <a:extLst>
+              <a:ext uri="{FF2B5EF4-FFF2-40B4-BE49-F238E27FC236}">
+                <a16:creationId xmlns:a16="http://schemas.microsoft.com/office/drawing/2014/main" id="{B05549FB-89B2-45D4-869C-2F543F91C7D4}"/>
+              </a:ext>
+            </a:extLst>
+          </p:cNvPr>
+          <p:cNvCxnSpPr/>
+          <p:nvPr/>
+        </p:nvCxnSpPr>
+        <p:spPr>
+          <a:xfrm flipV="1">
+            <a:off x="3331779" y="2319008"/>
+            <a:ext cx="3699642" cy="1849820"/>
+          </a:xfrm>
+          <a:prstGeom prst="line">
+            <a:avLst/>
+          </a:prstGeom>
+          <a:ln w="28575"/>
+        </p:spPr>
+        <p:style>
+          <a:lnRef idx="1">
+            <a:schemeClr val="accent1"/>
+          </a:lnRef>
+          <a:fillRef idx="0">
+            <a:schemeClr val="accent1"/>
+          </a:fillRef>
+          <a:effectRef idx="0">
+            <a:schemeClr val="accent1"/>
+          </a:effectRef>
+          <a:fontRef idx="minor">
+            <a:schemeClr val="tx1"/>
+          </a:fontRef>
+        </p:style>
+      </p:cxnSp>
+      <p:cxnSp>
+        <p:nvCxnSpPr>
+          <p:cNvPr id="7" name="직선 연결선 6">
+            <a:extLst>
+              <a:ext uri="{FF2B5EF4-FFF2-40B4-BE49-F238E27FC236}">
+                <a16:creationId xmlns:a16="http://schemas.microsoft.com/office/drawing/2014/main" id="{FBBC9213-AC8F-4955-A545-C76D75F038D4}"/>
+              </a:ext>
+            </a:extLst>
+          </p:cNvPr>
+          <p:cNvCxnSpPr>
+            <a:cxnSpLocks/>
+          </p:cNvCxnSpPr>
+          <p:nvPr/>
+        </p:nvCxnSpPr>
+        <p:spPr>
+          <a:xfrm flipV="1">
+            <a:off x="4235669" y="1408387"/>
+            <a:ext cx="1870841" cy="3657599"/>
+          </a:xfrm>
+          <a:prstGeom prst="line">
+            <a:avLst/>
+          </a:prstGeom>
+          <a:ln w="28575"/>
+        </p:spPr>
+        <p:style>
+          <a:lnRef idx="1">
+            <a:schemeClr val="accent1"/>
+          </a:lnRef>
+          <a:fillRef idx="0">
+            <a:schemeClr val="accent1"/>
+          </a:fillRef>
+          <a:effectRef idx="0">
+            <a:schemeClr val="accent1"/>
+          </a:effectRef>
+          <a:fontRef idx="minor">
+            <a:schemeClr val="tx1"/>
+          </a:fontRef>
+        </p:style>
+      </p:cxnSp>
+      <p:sp>
+        <p:nvSpPr>
+          <p:cNvPr id="10" name="타원 9">
+            <a:extLst>
+              <a:ext uri="{FF2B5EF4-FFF2-40B4-BE49-F238E27FC236}">
+                <a16:creationId xmlns:a16="http://schemas.microsoft.com/office/drawing/2014/main" id="{F0582812-0449-4D1D-9BAD-B70373136E65}"/>
+              </a:ext>
+            </a:extLst>
+          </p:cNvPr>
+          <p:cNvSpPr/>
+          <p:nvPr/>
+        </p:nvSpPr>
+        <p:spPr>
+          <a:xfrm>
+            <a:off x="3267254" y="4111678"/>
+            <a:ext cx="114300" cy="114300"/>
+          </a:xfrm>
+          <a:prstGeom prst="ellipse">
+            <a:avLst/>
+          </a:prstGeom>
+          <a:solidFill>
+            <a:schemeClr val="tx1"/>
+          </a:solidFill>
+          <a:ln>
+            <a:noFill/>
+          </a:ln>
+        </p:spPr>
+        <p:style>
+          <a:lnRef idx="2">
+            <a:schemeClr val="accent1">
+              <a:shade val="50000"/>
+            </a:schemeClr>
+          </a:lnRef>
+          <a:fillRef idx="1">
+            <a:schemeClr val="accent1"/>
+          </a:fillRef>
+          <a:effectRef idx="0">
+            <a:schemeClr val="accent1"/>
+          </a:effectRef>
+          <a:fontRef idx="minor">
+            <a:schemeClr val="lt1"/>
+          </a:fontRef>
+        </p:style>
+        <p:txBody>
+          <a:bodyPr rtlCol="0" anchor="ctr"/>
+          <a:lstStyle/>
+          <a:p>
+            <a:pPr algn="ctr"/>
+            <a:endParaRPr lang="ko-KR" altLang="en-US"/>
+          </a:p>
+        </p:txBody>
+      </p:sp>
+      <p:sp>
+        <p:nvSpPr>
+          <p:cNvPr id="11" name="타원 10">
+            <a:extLst>
+              <a:ext uri="{FF2B5EF4-FFF2-40B4-BE49-F238E27FC236}">
+                <a16:creationId xmlns:a16="http://schemas.microsoft.com/office/drawing/2014/main" id="{A2523363-D350-482C-A934-6D85FBA38C69}"/>
+              </a:ext>
+            </a:extLst>
+          </p:cNvPr>
+          <p:cNvSpPr/>
+          <p:nvPr/>
+        </p:nvSpPr>
+        <p:spPr>
+          <a:xfrm>
+            <a:off x="6962775" y="2271383"/>
+            <a:ext cx="114300" cy="114300"/>
+          </a:xfrm>
+          <a:prstGeom prst="ellipse">
+            <a:avLst/>
+          </a:prstGeom>
+          <a:solidFill>
+            <a:schemeClr val="tx1"/>
+          </a:solidFill>
+          <a:ln>
+            <a:noFill/>
+          </a:ln>
+        </p:spPr>
+        <p:style>
+          <a:lnRef idx="2">
+            <a:schemeClr val="accent1">
+              <a:shade val="50000"/>
+            </a:schemeClr>
+          </a:lnRef>
+          <a:fillRef idx="1">
+            <a:schemeClr val="accent1"/>
+          </a:fillRef>
+          <a:effectRef idx="0">
+            <a:schemeClr val="accent1"/>
+          </a:effectRef>
+          <a:fontRef idx="minor">
+            <a:schemeClr val="lt1"/>
+          </a:fontRef>
+        </p:style>
+        <p:txBody>
+          <a:bodyPr rtlCol="0" anchor="ctr"/>
+          <a:lstStyle/>
+          <a:p>
+            <a:pPr algn="ctr"/>
+            <a:endParaRPr lang="ko-KR" altLang="en-US"/>
+          </a:p>
+        </p:txBody>
+      </p:sp>
+      <p:sp>
+        <p:nvSpPr>
+          <p:cNvPr id="12" name="타원 11">
+            <a:extLst>
+              <a:ext uri="{FF2B5EF4-FFF2-40B4-BE49-F238E27FC236}">
+                <a16:creationId xmlns:a16="http://schemas.microsoft.com/office/drawing/2014/main" id="{0C561AAC-F7A2-4733-8724-6CCB8A209FD3}"/>
+              </a:ext>
+            </a:extLst>
+          </p:cNvPr>
+          <p:cNvSpPr/>
+          <p:nvPr/>
+        </p:nvSpPr>
+        <p:spPr>
+          <a:xfrm>
+            <a:off x="4178519" y="5037411"/>
+            <a:ext cx="114300" cy="114300"/>
+          </a:xfrm>
+          <a:prstGeom prst="ellipse">
+            <a:avLst/>
+          </a:prstGeom>
+          <a:solidFill>
+            <a:schemeClr val="tx1"/>
+          </a:solidFill>
+          <a:ln>
+            <a:noFill/>
+          </a:ln>
+        </p:spPr>
+        <p:style>
+          <a:lnRef idx="2">
+            <a:schemeClr val="accent1">
+              <a:shade val="50000"/>
+            </a:schemeClr>
+          </a:lnRef>
+          <a:fillRef idx="1">
+            <a:schemeClr val="accent1"/>
+          </a:fillRef>
+          <a:effectRef idx="0">
+            <a:schemeClr val="accent1"/>
+          </a:effectRef>
+          <a:fontRef idx="minor">
+            <a:schemeClr val="lt1"/>
+          </a:fontRef>
+        </p:style>
+        <p:txBody>
+          <a:bodyPr rtlCol="0" anchor="ctr"/>
+          <a:lstStyle/>
+          <a:p>
+            <a:pPr algn="ctr"/>
+            <a:endParaRPr lang="ko-KR" altLang="en-US"/>
+          </a:p>
+        </p:txBody>
+      </p:sp>
+      <p:sp>
+        <p:nvSpPr>
+          <p:cNvPr id="13" name="타원 12">
+            <a:extLst>
+              <a:ext uri="{FF2B5EF4-FFF2-40B4-BE49-F238E27FC236}">
+                <a16:creationId xmlns:a16="http://schemas.microsoft.com/office/drawing/2014/main" id="{0C020F0A-0872-4A66-AFE0-795BCA70A2F2}"/>
+              </a:ext>
+            </a:extLst>
+          </p:cNvPr>
+          <p:cNvSpPr/>
+          <p:nvPr/>
+        </p:nvSpPr>
+        <p:spPr>
+          <a:xfrm>
+            <a:off x="6049360" y="1351237"/>
+            <a:ext cx="114300" cy="114300"/>
+          </a:xfrm>
+          <a:prstGeom prst="ellipse">
+            <a:avLst/>
+          </a:prstGeom>
+          <a:solidFill>
+            <a:schemeClr val="tx1"/>
+          </a:solidFill>
+          <a:ln>
+            <a:noFill/>
+          </a:ln>
+        </p:spPr>
+        <p:style>
+          <a:lnRef idx="2">
+            <a:schemeClr val="accent1">
+              <a:shade val="50000"/>
+            </a:schemeClr>
+          </a:lnRef>
+          <a:fillRef idx="1">
+            <a:schemeClr val="accent1"/>
+          </a:fillRef>
+          <a:effectRef idx="0">
+            <a:schemeClr val="accent1"/>
+          </a:effectRef>
+          <a:fontRef idx="minor">
+            <a:schemeClr val="lt1"/>
+          </a:fontRef>
+        </p:style>
+        <p:txBody>
+          <a:bodyPr rtlCol="0" anchor="ctr"/>
+          <a:lstStyle/>
+          <a:p>
+            <a:pPr algn="ctr"/>
+            <a:endParaRPr lang="ko-KR" altLang="en-US"/>
+          </a:p>
+        </p:txBody>
+      </p:sp>
+      <mc:AlternateContent xmlns:mc="http://schemas.openxmlformats.org/markup-compatibility/2006">
+        <mc:Choice xmlns:a14="http://schemas.microsoft.com/office/drawing/2010/main" Requires="a14">
+          <p:sp>
+            <p:nvSpPr>
+              <p:cNvPr id="14" name="TextBox 13">
+                <a:extLst>
+                  <a:ext uri="{FF2B5EF4-FFF2-40B4-BE49-F238E27FC236}">
+                    <a16:creationId xmlns:a16="http://schemas.microsoft.com/office/drawing/2014/main" id="{C6B8E072-E0A8-4E2B-A2D2-102951D37E24}"/>
+                  </a:ext>
+                </a:extLst>
+              </p:cNvPr>
+              <p:cNvSpPr txBox="1"/>
+              <p:nvPr/>
+            </p:nvSpPr>
+            <p:spPr>
+              <a:xfrm>
+                <a:off x="6212771" y="2871421"/>
+                <a:ext cx="1958613" cy="553998"/>
+              </a:xfrm>
+              <a:prstGeom prst="rect">
+                <a:avLst/>
+              </a:prstGeom>
+              <a:noFill/>
+            </p:spPr>
+            <p:txBody>
+              <a:bodyPr wrap="none" lIns="0" tIns="0" rIns="0" bIns="0" rtlCol="0">
+                <a:spAutoFit/>
+              </a:bodyPr>
+              <a:lstStyle/>
+              <a:p>
+                <a14:m>
+                  <m:oMathPara xmlns:m="http://schemas.openxmlformats.org/officeDocument/2006/math">
+                    <m:oMathParaPr>
+                      <m:jc m:val="centerGroup"/>
+                    </m:oMathParaPr>
+                    <m:oMath xmlns:m="http://schemas.openxmlformats.org/officeDocument/2006/math">
+                      <m:r>
+                        <a:rPr lang="en-US" altLang="ko-KR" b="0" i="1" smtClean="0">
+                          <a:latin typeface="Cambria Math" panose="02040503050406030204" pitchFamily="18" charset="0"/>
+                        </a:rPr>
+                        <m:t>𝑦</m:t>
+                      </m:r>
+                      <m:r>
+                        <a:rPr lang="en-US" altLang="ko-KR" b="0" i="1" smtClean="0">
+                          <a:latin typeface="Cambria Math" panose="02040503050406030204" pitchFamily="18" charset="0"/>
+                        </a:rPr>
+                        <m:t>=0.5</m:t>
+                      </m:r>
+                      <m:r>
+                        <a:rPr lang="en-US" altLang="ko-KR" b="0" i="1" smtClean="0">
+                          <a:latin typeface="Cambria Math" panose="02040503050406030204" pitchFamily="18" charset="0"/>
+                        </a:rPr>
+                        <m:t>𝑥</m:t>
+                      </m:r>
+                      <m:r>
+                        <a:rPr lang="en-US" altLang="ko-KR" b="0" i="1" smtClean="0">
+                          <a:latin typeface="Cambria Math" panose="02040503050406030204" pitchFamily="18" charset="0"/>
+                        </a:rPr>
+                        <m:t>+0.5</m:t>
+                      </m:r>
+                    </m:oMath>
+                  </m:oMathPara>
+                </a14:m>
+                <a:endParaRPr lang="en-US" altLang="ko-KR" b="0" dirty="0">
+                  <a:latin typeface="나눔바른고딕" panose="020B0603020101020101" pitchFamily="50" charset="-127"/>
+                  <a:ea typeface="나눔바른고딕" panose="020B0603020101020101" pitchFamily="50" charset="-127"/>
+                </a:endParaRPr>
+              </a:p>
+              <a:p>
+                <a:r>
+                  <a:rPr lang="ko-KR" altLang="en-US" dirty="0">
+                    <a:latin typeface="나눔바른고딕" panose="020B0603020101020101" pitchFamily="50" charset="-127"/>
+                    <a:ea typeface="나눔바른고딕" panose="020B0603020101020101" pitchFamily="50" charset="-127"/>
+                  </a:rPr>
+                  <a:t> </a:t>
+                </a:r>
+                <a14:m>
+                  <m:oMath xmlns:m="http://schemas.openxmlformats.org/officeDocument/2006/math">
+                    <m:r>
+                      <a:rPr lang="en-US" altLang="ko-KR" b="0" i="1" smtClean="0">
+                        <a:latin typeface="Cambria Math" panose="02040503050406030204" pitchFamily="18" charset="0"/>
+                      </a:rPr>
+                      <m:t>0.5</m:t>
+                    </m:r>
+                    <m:r>
+                      <a:rPr lang="en-US" altLang="ko-KR" b="0" i="1" smtClean="0">
+                        <a:latin typeface="Cambria Math" panose="02040503050406030204" pitchFamily="18" charset="0"/>
+                      </a:rPr>
+                      <m:t>𝑥</m:t>
+                    </m:r>
+                    <m:r>
+                      <a:rPr lang="en-US" altLang="ko-KR" b="0" i="1" smtClean="0">
+                        <a:latin typeface="Cambria Math" panose="02040503050406030204" pitchFamily="18" charset="0"/>
+                      </a:rPr>
+                      <m:t> −</m:t>
+                    </m:r>
+                    <m:r>
+                      <a:rPr lang="en-US" altLang="ko-KR" b="0" i="1" smtClean="0">
+                        <a:latin typeface="Cambria Math" panose="02040503050406030204" pitchFamily="18" charset="0"/>
+                      </a:rPr>
+                      <m:t>𝑦</m:t>
+                    </m:r>
+                    <m:r>
+                      <a:rPr lang="en-US" altLang="ko-KR" b="0" i="1" smtClean="0">
+                        <a:latin typeface="Cambria Math" panose="02040503050406030204" pitchFamily="18" charset="0"/>
+                      </a:rPr>
+                      <m:t>+0.5=0</m:t>
+                    </m:r>
+                  </m:oMath>
+                </a14:m>
+                <a:endParaRPr lang="ko-KR" altLang="en-US" dirty="0">
+                  <a:latin typeface="나눔바른고딕" panose="020B0603020101020101" pitchFamily="50" charset="-127"/>
+                  <a:ea typeface="나눔바른고딕" panose="020B0603020101020101" pitchFamily="50" charset="-127"/>
+                </a:endParaRPr>
+              </a:p>
+            </p:txBody>
+          </p:sp>
+        </mc:Choice>
+        <mc:Fallback>
+          <p:sp>
+            <p:nvSpPr>
+              <p:cNvPr id="14" name="TextBox 13">
+                <a:extLst>
+                  <a:ext uri="{FF2B5EF4-FFF2-40B4-BE49-F238E27FC236}">
+                    <a16:creationId xmlns:a16="http://schemas.microsoft.com/office/drawing/2014/main" id="{C6B8E072-E0A8-4E2B-A2D2-102951D37E24}"/>
+                  </a:ext>
+                </a:extLst>
+              </p:cNvPr>
+              <p:cNvSpPr txBox="1">
+                <a:spLocks noRot="1" noChangeAspect="1" noMove="1" noResize="1" noEditPoints="1" noAdjustHandles="1" noChangeArrowheads="1" noChangeShapeType="1" noTextEdit="1"/>
+              </p:cNvSpPr>
+              <p:nvPr/>
+            </p:nvSpPr>
+            <p:spPr>
+              <a:xfrm>
+                <a:off x="6212771" y="2871421"/>
+                <a:ext cx="1958613" cy="553998"/>
+              </a:xfrm>
+              <a:prstGeom prst="rect">
+                <a:avLst/>
+              </a:prstGeom>
+              <a:blipFill>
+                <a:blip r:embed="rId3"/>
+                <a:stretch>
+                  <a:fillRect l="-1558" r="-3427" b="-10989"/>
+                </a:stretch>
+              </a:blipFill>
+            </p:spPr>
+            <p:txBody>
+              <a:bodyPr/>
+              <a:lstStyle/>
+              <a:p>
+                <a:r>
+                  <a:rPr lang="ko-KR" altLang="en-US">
+                    <a:noFill/>
+                  </a:rPr>
+                  <a:t> </a:t>
+                </a:r>
+              </a:p>
+            </p:txBody>
+          </p:sp>
+        </mc:Fallback>
+      </mc:AlternateContent>
+      <mc:AlternateContent xmlns:mc="http://schemas.openxmlformats.org/markup-compatibility/2006">
+        <mc:Choice xmlns:a14="http://schemas.microsoft.com/office/drawing/2010/main" Requires="a14">
+          <p:sp>
+            <p:nvSpPr>
+              <p:cNvPr id="15" name="TextBox 14">
+                <a:extLst>
+                  <a:ext uri="{FF2B5EF4-FFF2-40B4-BE49-F238E27FC236}">
+                    <a16:creationId xmlns:a16="http://schemas.microsoft.com/office/drawing/2014/main" id="{A0027560-7C0B-4C3A-B37E-C1E86D590571}"/>
+                  </a:ext>
+                </a:extLst>
+              </p:cNvPr>
+              <p:cNvSpPr txBox="1"/>
+              <p:nvPr/>
+            </p:nvSpPr>
+            <p:spPr>
+              <a:xfrm>
+                <a:off x="6186599" y="1402800"/>
+                <a:ext cx="1605952" cy="553998"/>
+              </a:xfrm>
+              <a:prstGeom prst="rect">
+                <a:avLst/>
+              </a:prstGeom>
+              <a:noFill/>
+            </p:spPr>
+            <p:txBody>
+              <a:bodyPr wrap="none" lIns="0" tIns="0" rIns="0" bIns="0" rtlCol="0">
+                <a:spAutoFit/>
+              </a:bodyPr>
+              <a:lstStyle/>
+              <a:p>
+                <a14:m>
+                  <m:oMathPara xmlns:m="http://schemas.openxmlformats.org/officeDocument/2006/math">
+                    <m:oMathParaPr>
+                      <m:jc m:val="centerGroup"/>
+                    </m:oMathParaPr>
+                    <m:oMath xmlns:m="http://schemas.openxmlformats.org/officeDocument/2006/math">
+                      <m:r>
+                        <a:rPr lang="en-US" altLang="ko-KR" b="0" i="1" smtClean="0">
+                          <a:latin typeface="Cambria Math" panose="02040503050406030204" pitchFamily="18" charset="0"/>
+                        </a:rPr>
+                        <m:t>𝑦</m:t>
+                      </m:r>
+                      <m:r>
+                        <a:rPr lang="en-US" altLang="ko-KR" b="0" i="1" smtClean="0">
+                          <a:latin typeface="Cambria Math" panose="02040503050406030204" pitchFamily="18" charset="0"/>
+                        </a:rPr>
+                        <m:t>=2</m:t>
+                      </m:r>
+                      <m:r>
+                        <a:rPr lang="en-US" altLang="ko-KR" b="0" i="1" smtClean="0">
+                          <a:latin typeface="Cambria Math" panose="02040503050406030204" pitchFamily="18" charset="0"/>
+                        </a:rPr>
+                        <m:t>𝑥</m:t>
+                      </m:r>
+                      <m:r>
+                        <a:rPr lang="en-US" altLang="ko-KR" b="0" i="1" smtClean="0">
+                          <a:latin typeface="Cambria Math" panose="02040503050406030204" pitchFamily="18" charset="0"/>
+                        </a:rPr>
+                        <m:t>−4</m:t>
+                      </m:r>
+                    </m:oMath>
+                  </m:oMathPara>
+                </a14:m>
+                <a:endParaRPr lang="en-US" altLang="ko-KR" b="0" dirty="0">
+                  <a:latin typeface="나눔바른고딕" panose="020B0603020101020101" pitchFamily="50" charset="-127"/>
+                  <a:ea typeface="나눔바른고딕" panose="020B0603020101020101" pitchFamily="50" charset="-127"/>
+                </a:endParaRPr>
+              </a:p>
+              <a:p>
+                <a:r>
+                  <a:rPr lang="ko-KR" altLang="en-US" dirty="0">
+                    <a:latin typeface="나눔바른고딕" panose="020B0603020101020101" pitchFamily="50" charset="-127"/>
+                    <a:ea typeface="나눔바른고딕" panose="020B0603020101020101" pitchFamily="50" charset="-127"/>
+                  </a:rPr>
+                  <a:t> </a:t>
+                </a:r>
+                <a14:m>
+                  <m:oMath xmlns:m="http://schemas.openxmlformats.org/officeDocument/2006/math">
+                    <m:r>
+                      <a:rPr lang="en-US" altLang="ko-KR" i="1">
+                        <a:latin typeface="Cambria Math" panose="02040503050406030204" pitchFamily="18" charset="0"/>
+                      </a:rPr>
+                      <m:t>2</m:t>
+                    </m:r>
+                    <m:r>
+                      <a:rPr lang="en-US" altLang="ko-KR" b="0" i="1" smtClean="0">
+                        <a:latin typeface="Cambria Math" panose="02040503050406030204" pitchFamily="18" charset="0"/>
+                      </a:rPr>
+                      <m:t>𝑥</m:t>
+                    </m:r>
+                    <m:r>
+                      <a:rPr lang="en-US" altLang="ko-KR" b="0" i="1" smtClean="0">
+                        <a:latin typeface="Cambria Math" panose="02040503050406030204" pitchFamily="18" charset="0"/>
+                      </a:rPr>
+                      <m:t> −</m:t>
+                    </m:r>
+                    <m:r>
+                      <a:rPr lang="en-US" altLang="ko-KR" b="0" i="1" smtClean="0">
+                        <a:latin typeface="Cambria Math" panose="02040503050406030204" pitchFamily="18" charset="0"/>
+                      </a:rPr>
+                      <m:t>𝑦</m:t>
+                    </m:r>
+                    <m:r>
+                      <a:rPr lang="en-US" altLang="ko-KR" b="0" i="1" smtClean="0">
+                        <a:latin typeface="Cambria Math" panose="02040503050406030204" pitchFamily="18" charset="0"/>
+                      </a:rPr>
+                      <m:t>−4=0</m:t>
+                    </m:r>
+                  </m:oMath>
+                </a14:m>
+                <a:endParaRPr lang="ko-KR" altLang="en-US" dirty="0">
+                  <a:latin typeface="나눔바른고딕" panose="020B0603020101020101" pitchFamily="50" charset="-127"/>
+                  <a:ea typeface="나눔바른고딕" panose="020B0603020101020101" pitchFamily="50" charset="-127"/>
+                </a:endParaRPr>
+              </a:p>
+            </p:txBody>
+          </p:sp>
+        </mc:Choice>
+        <mc:Fallback>
+          <p:sp>
+            <p:nvSpPr>
+              <p:cNvPr id="15" name="TextBox 14">
+                <a:extLst>
+                  <a:ext uri="{FF2B5EF4-FFF2-40B4-BE49-F238E27FC236}">
+                    <a16:creationId xmlns:a16="http://schemas.microsoft.com/office/drawing/2014/main" id="{A0027560-7C0B-4C3A-B37E-C1E86D590571}"/>
+                  </a:ext>
+                </a:extLst>
+              </p:cNvPr>
+              <p:cNvSpPr txBox="1">
+                <a:spLocks noRot="1" noChangeAspect="1" noMove="1" noResize="1" noEditPoints="1" noAdjustHandles="1" noChangeArrowheads="1" noChangeShapeType="1" noTextEdit="1"/>
+              </p:cNvSpPr>
+              <p:nvPr/>
+            </p:nvSpPr>
+            <p:spPr>
+              <a:xfrm>
+                <a:off x="6186599" y="1402800"/>
+                <a:ext cx="1605952" cy="553998"/>
+              </a:xfrm>
+              <a:prstGeom prst="rect">
+                <a:avLst/>
+              </a:prstGeom>
+              <a:blipFill>
+                <a:blip r:embed="rId4"/>
+                <a:stretch>
+                  <a:fillRect l="-2281" r="-4183" b="-10989"/>
+                </a:stretch>
+              </a:blipFill>
+            </p:spPr>
+            <p:txBody>
+              <a:bodyPr/>
+              <a:lstStyle/>
+              <a:p>
+                <a:r>
+                  <a:rPr lang="ko-KR" altLang="en-US">
+                    <a:noFill/>
+                  </a:rPr>
+                  <a:t> </a:t>
+                </a:r>
+              </a:p>
+            </p:txBody>
+          </p:sp>
+        </mc:Fallback>
+      </mc:AlternateContent>
+    </p:spTree>
+    <p:extLst>
+      <p:ext uri="{BB962C8B-B14F-4D97-AF65-F5344CB8AC3E}">
+        <p14:creationId xmlns:p14="http://schemas.microsoft.com/office/powerpoint/2010/main" val="2417834886"/>
+      </p:ext>
+    </p:extLst>
+  </p:cSld>
+  <p:clrMapOvr>
+    <a:masterClrMapping/>
+  </p:clrMapOvr>
+</p:sld>
+</file>
+
 <file path=ppt/theme/theme1.xml><?xml version="1.0" encoding="utf-8"?>
 <a:theme xmlns:a="http://schemas.openxmlformats.org/drawingml/2006/main" name="Default Theme">
   <a:themeElements>
